--- a/Documentacion/ProyectoSena-20201016T002747Z-001/ProyectoSena/Otros-Documentos/manual-tecnico-SISO.pptx
+++ b/Documentacion/ProyectoSena-20201016T002747Z-001/ProyectoSena/Otros-Documentos/manual-tecnico-SISO.pptx
@@ -12,16 +12,17 @@
     <p:sldId id="260" r:id="rId6"/>
     <p:sldId id="271" r:id="rId7"/>
     <p:sldId id="272" r:id="rId8"/>
-    <p:sldId id="262" r:id="rId9"/>
-    <p:sldId id="263" r:id="rId10"/>
-    <p:sldId id="264" r:id="rId11"/>
-    <p:sldId id="265" r:id="rId12"/>
-    <p:sldId id="266" r:id="rId13"/>
-    <p:sldId id="267" r:id="rId14"/>
-    <p:sldId id="268" r:id="rId15"/>
-    <p:sldId id="269" r:id="rId16"/>
-    <p:sldId id="270" r:id="rId17"/>
-    <p:sldId id="261" r:id="rId18"/>
+    <p:sldId id="273" r:id="rId9"/>
+    <p:sldId id="262" r:id="rId10"/>
+    <p:sldId id="263" r:id="rId11"/>
+    <p:sldId id="264" r:id="rId12"/>
+    <p:sldId id="265" r:id="rId13"/>
+    <p:sldId id="266" r:id="rId14"/>
+    <p:sldId id="267" r:id="rId15"/>
+    <p:sldId id="268" r:id="rId16"/>
+    <p:sldId id="269" r:id="rId17"/>
+    <p:sldId id="270" r:id="rId18"/>
+    <p:sldId id="261" r:id="rId19"/>
   </p:sldIdLst>
   <p:sldSz cx="12192000" cy="6858000"/>
   <p:notesSz cx="6858000" cy="9144000"/>
@@ -120,6 +121,11 @@
       </a:defRPr>
     </a:lvl9pPr>
   </p:defaultTextStyle>
+  <p:extLst>
+    <p:ext uri="{EFAFB233-063F-42B5-8137-9DF3F51BA10A}">
+      <p15:sldGuideLst xmlns:p15="http://schemas.microsoft.com/office/powerpoint/2012/main"/>
+    </p:ext>
+  </p:extLst>
 </p:presentation>
 </file>
 
@@ -1338,6 +1344,13 @@
         </dgm:presLayoutVars>
       </dgm:prSet>
       <dgm:spPr/>
+      <dgm:t>
+        <a:bodyPr/>
+        <a:lstStyle/>
+        <a:p>
+          <a:endParaRPr lang="es-US"/>
+        </a:p>
+      </dgm:t>
     </dgm:pt>
     <dgm:pt modelId="{5F9B79BF-A4CD-4E0E-9D76-64C0510051E6}" type="pres">
       <dgm:prSet presAssocID="{DFDDFA96-F13C-4189-A525-14BAB7EB9723}" presName="composite" presStyleCnt="0"/>
@@ -1391,6 +1404,13 @@
         </dgm:presLayoutVars>
       </dgm:prSet>
       <dgm:spPr/>
+      <dgm:t>
+        <a:bodyPr/>
+        <a:lstStyle/>
+        <a:p>
+          <a:endParaRPr lang="es-US"/>
+        </a:p>
+      </dgm:t>
     </dgm:pt>
     <dgm:pt modelId="{6BA68153-468E-4B94-9B93-88AD5E4C8C53}" type="pres">
       <dgm:prSet presAssocID="{6DBAA9EC-069B-4406-8AC2-73F5015705AD}" presName="rect2" presStyleLbl="fgImgPlace1" presStyleIdx="1" presStyleCnt="11"/>
@@ -1425,6 +1445,13 @@
         </dgm:presLayoutVars>
       </dgm:prSet>
       <dgm:spPr/>
+      <dgm:t>
+        <a:bodyPr/>
+        <a:lstStyle/>
+        <a:p>
+          <a:endParaRPr lang="es-US"/>
+        </a:p>
+      </dgm:t>
     </dgm:pt>
     <dgm:pt modelId="{1B178B96-C1A6-46F8-B153-812015436C6F}" type="pres">
       <dgm:prSet presAssocID="{936CD7FD-10FF-4DB9-820F-9271618F305E}" presName="rect2" presStyleLbl="fgImgPlace1" presStyleIdx="2" presStyleCnt="11"/>
@@ -1500,6 +1527,13 @@
         </dgm:presLayoutVars>
       </dgm:prSet>
       <dgm:spPr/>
+      <dgm:t>
+        <a:bodyPr/>
+        <a:lstStyle/>
+        <a:p>
+          <a:endParaRPr lang="es-US"/>
+        </a:p>
+      </dgm:t>
     </dgm:pt>
     <dgm:pt modelId="{09BA32F8-914C-4C8D-9E81-5784BF745FB8}" type="pres">
       <dgm:prSet presAssocID="{CE78E03F-F8FD-4CBE-8FE8-FDA1AD0D1802}" presName="rect2" presStyleLbl="fgImgPlace1" presStyleIdx="4" presStyleCnt="11"/>
@@ -1534,6 +1568,13 @@
         </dgm:presLayoutVars>
       </dgm:prSet>
       <dgm:spPr/>
+      <dgm:t>
+        <a:bodyPr/>
+        <a:lstStyle/>
+        <a:p>
+          <a:endParaRPr lang="es-US"/>
+        </a:p>
+      </dgm:t>
     </dgm:pt>
     <dgm:pt modelId="{EF2EBF88-D32D-44C7-81B4-FE71A3B49EE0}" type="pres">
       <dgm:prSet presAssocID="{211B819B-72FD-43C7-8567-7F59F7D000D2}" presName="rect2" presStyleLbl="fgImgPlace1" presStyleIdx="5" presStyleCnt="11"/>
@@ -1568,6 +1609,13 @@
         </dgm:presLayoutVars>
       </dgm:prSet>
       <dgm:spPr/>
+      <dgm:t>
+        <a:bodyPr/>
+        <a:lstStyle/>
+        <a:p>
+          <a:endParaRPr lang="es-US"/>
+        </a:p>
+      </dgm:t>
     </dgm:pt>
     <dgm:pt modelId="{1E46A8A7-5FDD-4E32-8354-B09002BF39EE}" type="pres">
       <dgm:prSet presAssocID="{08E7F6DE-BE42-4913-B989-6E3470795688}" presName="rect2" presStyleLbl="fgImgPlace1" presStyleIdx="6" presStyleCnt="11"/>
@@ -1602,6 +1650,13 @@
         </dgm:presLayoutVars>
       </dgm:prSet>
       <dgm:spPr/>
+      <dgm:t>
+        <a:bodyPr/>
+        <a:lstStyle/>
+        <a:p>
+          <a:endParaRPr lang="es-US"/>
+        </a:p>
+      </dgm:t>
     </dgm:pt>
     <dgm:pt modelId="{C8EBE56C-3A21-4FF3-96EF-E170E83469DF}" type="pres">
       <dgm:prSet presAssocID="{C389FF1A-BECE-4110-98C1-FA6537696C4C}" presName="rect2" presStyleLbl="fgImgPlace1" presStyleIdx="7" presStyleCnt="11"/>
@@ -1636,6 +1691,13 @@
         </dgm:presLayoutVars>
       </dgm:prSet>
       <dgm:spPr/>
+      <dgm:t>
+        <a:bodyPr/>
+        <a:lstStyle/>
+        <a:p>
+          <a:endParaRPr lang="es-US"/>
+        </a:p>
+      </dgm:t>
     </dgm:pt>
     <dgm:pt modelId="{22E53B1A-6F79-4FC7-9CC9-B1C25B0F468A}" type="pres">
       <dgm:prSet presAssocID="{26B2D313-07E4-4863-83E0-A99AFD4AA106}" presName="rect2" presStyleLbl="fgImgPlace1" presStyleIdx="8" presStyleCnt="11"/>
@@ -1670,6 +1732,13 @@
         </dgm:presLayoutVars>
       </dgm:prSet>
       <dgm:spPr/>
+      <dgm:t>
+        <a:bodyPr/>
+        <a:lstStyle/>
+        <a:p>
+          <a:endParaRPr lang="es-US"/>
+        </a:p>
+      </dgm:t>
     </dgm:pt>
     <dgm:pt modelId="{3C0CB77B-6B07-4564-AD3F-A66997E7059D}" type="pres">
       <dgm:prSet presAssocID="{D7D551B8-F23C-402B-88B0-87D246D1F054}" presName="rect2" presStyleLbl="fgImgPlace1" presStyleIdx="9" presStyleCnt="11"/>
@@ -1704,6 +1773,13 @@
         </dgm:presLayoutVars>
       </dgm:prSet>
       <dgm:spPr/>
+      <dgm:t>
+        <a:bodyPr/>
+        <a:lstStyle/>
+        <a:p>
+          <a:endParaRPr lang="es-US"/>
+        </a:p>
+      </dgm:t>
     </dgm:pt>
     <dgm:pt modelId="{8E0021EA-B364-40E1-87B0-3F4D280A220E}" type="pres">
       <dgm:prSet presAssocID="{241D0F6D-2534-4BDE-8F95-9AA895DB7235}" presName="rect2" presStyleLbl="fgImgPlace1" presStyleIdx="10" presStyleCnt="11"/>
@@ -1725,29 +1801,29 @@
     </dgm:pt>
   </dgm:ptLst>
   <dgm:cxnLst>
+    <dgm:cxn modelId="{373C8D64-C42E-4BDA-A945-873F319E4997}" type="presOf" srcId="{D7D551B8-F23C-402B-88B0-87D246D1F054}" destId="{62ECA75E-F1EC-46FC-B08C-2880A6B76453}" srcOrd="0" destOrd="0" presId="urn:microsoft.com/office/officeart/2008/layout/PictureStrips"/>
+    <dgm:cxn modelId="{92FB3E50-5071-48CE-B9D1-B9BB696CD0C8}" srcId="{046A0C38-ABA5-49C0-AFE5-0FE30326E8EF}" destId="{DFDDFA96-F13C-4189-A525-14BAB7EB9723}" srcOrd="0" destOrd="0" parTransId="{8ED55021-AA44-45AE-9D2E-286BF6FCBB93}" sibTransId="{C6764882-7506-4887-BDD1-F78E6590742E}"/>
+    <dgm:cxn modelId="{A1F7988A-E87C-4373-BC71-6E05BA42008C}" type="presOf" srcId="{936CD7FD-10FF-4DB9-820F-9271618F305E}" destId="{9EF01376-D3C2-4510-AA15-E48174CD1F4D}" srcOrd="0" destOrd="0" presId="urn:microsoft.com/office/officeart/2008/layout/PictureStrips"/>
+    <dgm:cxn modelId="{98C127AE-2C97-4249-856C-0767D868880A}" srcId="{046A0C38-ABA5-49C0-AFE5-0FE30326E8EF}" destId="{08E7F6DE-BE42-4913-B989-6E3470795688}" srcOrd="6" destOrd="0" parTransId="{853ADAC0-8F6B-43DB-9941-6B89F03355C9}" sibTransId="{0BAE5237-B27C-4CF1-96B6-3B6776A688F8}"/>
+    <dgm:cxn modelId="{2F19E921-01D8-45BD-B2FD-F5069420507B}" srcId="{046A0C38-ABA5-49C0-AFE5-0FE30326E8EF}" destId="{241D0F6D-2534-4BDE-8F95-9AA895DB7235}" srcOrd="10" destOrd="0" parTransId="{8AA845AB-ADBC-403E-B4B3-C2FD0C38D495}" sibTransId="{39C03320-4968-48E9-BD5C-837BC687352C}"/>
+    <dgm:cxn modelId="{9B8A69F2-6FB0-4830-8B41-2ECC3ABFE1C3}" type="presOf" srcId="{046A0C38-ABA5-49C0-AFE5-0FE30326E8EF}" destId="{16CCE959-22F6-4516-BC7C-BEF127F34EF7}" srcOrd="0" destOrd="0" presId="urn:microsoft.com/office/officeart/2008/layout/PictureStrips"/>
     <dgm:cxn modelId="{A0C617F1-1587-4979-B815-767BDA5FE2C4}" srcId="{046A0C38-ABA5-49C0-AFE5-0FE30326E8EF}" destId="{C389FF1A-BECE-4110-98C1-FA6537696C4C}" srcOrd="7" destOrd="0" parTransId="{8E69726B-6A6D-45F9-B12E-95E24512003D}" sibTransId="{C68552F1-FCDC-4854-811E-F1A44C5D8E74}"/>
-    <dgm:cxn modelId="{92FB3E50-5071-48CE-B9D1-B9BB696CD0C8}" srcId="{046A0C38-ABA5-49C0-AFE5-0FE30326E8EF}" destId="{DFDDFA96-F13C-4189-A525-14BAB7EB9723}" srcOrd="0" destOrd="0" parTransId="{8ED55021-AA44-45AE-9D2E-286BF6FCBB93}" sibTransId="{C6764882-7506-4887-BDD1-F78E6590742E}"/>
+    <dgm:cxn modelId="{F40FC741-8A89-4FDE-A031-2806F7E7C1E6}" type="presOf" srcId="{C389FF1A-BECE-4110-98C1-FA6537696C4C}" destId="{BF715BD2-59FE-4241-9ECB-F56D2E0E2B8B}" srcOrd="0" destOrd="0" presId="urn:microsoft.com/office/officeart/2008/layout/PictureStrips"/>
+    <dgm:cxn modelId="{66518DB5-5395-4074-A587-A6F1314D9A72}" srcId="{046A0C38-ABA5-49C0-AFE5-0FE30326E8EF}" destId="{6DBAA9EC-069B-4406-8AC2-73F5015705AD}" srcOrd="1" destOrd="0" parTransId="{810564C3-24D0-4E1D-A601-7C2C7C676ECE}" sibTransId="{12B36706-E9AC-4ABD-B45D-E996E402F726}"/>
+    <dgm:cxn modelId="{087805C0-327F-420E-9D4A-170394E95C80}" srcId="{046A0C38-ABA5-49C0-AFE5-0FE30326E8EF}" destId="{CE78E03F-F8FD-4CBE-8FE8-FDA1AD0D1802}" srcOrd="4" destOrd="0" parTransId="{D4474DAE-0DC9-4F7B-ACEE-02F4BBAC5458}" sibTransId="{ABFDA730-DC3F-4584-B74F-346E27CA0793}"/>
+    <dgm:cxn modelId="{F10BE648-C722-462F-B8BA-A1D752B89A7A}" type="presOf" srcId="{211B819B-72FD-43C7-8567-7F59F7D000D2}" destId="{35691642-04A6-4CB5-A763-366589F9E988}" srcOrd="0" destOrd="0" presId="urn:microsoft.com/office/officeart/2008/layout/PictureStrips"/>
+    <dgm:cxn modelId="{2544E593-9373-4CC0-813E-E37256F4A9CE}" srcId="{046A0C38-ABA5-49C0-AFE5-0FE30326E8EF}" destId="{211B819B-72FD-43C7-8567-7F59F7D000D2}" srcOrd="5" destOrd="0" parTransId="{ACA5FE56-2A78-4F5B-BC18-8F69E0F67D66}" sibTransId="{6164CB42-2158-4716-BBAC-6671BC015E06}"/>
+    <dgm:cxn modelId="{3CE46AAD-977B-4248-8F51-04AC24FF41EC}" type="presOf" srcId="{08E7F6DE-BE42-4913-B989-6E3470795688}" destId="{CEBF9F27-BDB4-46A0-9085-9EC805BF92AA}" srcOrd="0" destOrd="0" presId="urn:microsoft.com/office/officeart/2008/layout/PictureStrips"/>
+    <dgm:cxn modelId="{C2CEAC95-AFDC-4B7F-B21D-760FEF603D0A}" srcId="{046A0C38-ABA5-49C0-AFE5-0FE30326E8EF}" destId="{D7D551B8-F23C-402B-88B0-87D246D1F054}" srcOrd="9" destOrd="0" parTransId="{E4582C8D-1D3C-47F5-9825-85CE80B2546D}" sibTransId="{3FFFBF5E-A6BF-4031-8D0A-EC8E230CF6A5}"/>
+    <dgm:cxn modelId="{1712D1A7-BC0D-43A6-9468-A7BBF737483D}" type="presOf" srcId="{241D0F6D-2534-4BDE-8F95-9AA895DB7235}" destId="{5A4DFD7C-5A41-4776-AE94-B05811EBD0AB}" srcOrd="0" destOrd="0" presId="urn:microsoft.com/office/officeart/2008/layout/PictureStrips"/>
+    <dgm:cxn modelId="{9CB1747B-FBAB-4C8A-92D3-2CDD65395E00}" type="presOf" srcId="{82786D5E-BB5F-44F6-ADFF-D3261831C493}" destId="{34AF2BB2-C0B9-4F2B-BAC6-802D5F90528D}" srcOrd="0" destOrd="0" presId="urn:microsoft.com/office/officeart/2008/layout/PictureStrips"/>
+    <dgm:cxn modelId="{D10976ED-D84E-4C94-8527-2F11B0E66A0F}" type="presOf" srcId="{6DBAA9EC-069B-4406-8AC2-73F5015705AD}" destId="{E6FE5D96-8624-4CEB-85ED-A72B76D9C315}" srcOrd="0" destOrd="0" presId="urn:microsoft.com/office/officeart/2008/layout/PictureStrips"/>
+    <dgm:cxn modelId="{284DA4AD-3A3F-4FEF-ABE5-46CC4CA0687F}" type="presOf" srcId="{DFDDFA96-F13C-4189-A525-14BAB7EB9723}" destId="{5F14977D-9A7C-413A-8289-A6F4EF3A10FE}" srcOrd="0" destOrd="0" presId="urn:microsoft.com/office/officeart/2008/layout/PictureStrips"/>
+    <dgm:cxn modelId="{6766EBB8-1133-450A-804A-01C989EC17E2}" srcId="{046A0C38-ABA5-49C0-AFE5-0FE30326E8EF}" destId="{26B2D313-07E4-4863-83E0-A99AFD4AA106}" srcOrd="8" destOrd="0" parTransId="{45A6C83D-594B-4DC7-B279-0413D5E13E66}" sibTransId="{E0C761BC-DE74-4163-9C12-BDAABF88A0E7}"/>
+    <dgm:cxn modelId="{25F73CE0-FA8C-43C8-A3A7-37AC6DD8FAEA}" srcId="{046A0C38-ABA5-49C0-AFE5-0FE30326E8EF}" destId="{82786D5E-BB5F-44F6-ADFF-D3261831C493}" srcOrd="3" destOrd="0" parTransId="{D185888E-A97F-4943-9250-5EEC7409D981}" sibTransId="{7C96803C-26A3-4D58-BFA0-74188E1947BF}"/>
     <dgm:cxn modelId="{2C003069-CE95-4E3D-A111-EA9E4B156643}" srcId="{046A0C38-ABA5-49C0-AFE5-0FE30326E8EF}" destId="{936CD7FD-10FF-4DB9-820F-9271618F305E}" srcOrd="2" destOrd="0" parTransId="{D62CDDF1-570C-4874-BBC4-5D0FCF0113A3}" sibTransId="{19A4A926-01D7-4B18-9996-75B0F680C02C}"/>
-    <dgm:cxn modelId="{2544E593-9373-4CC0-813E-E37256F4A9CE}" srcId="{046A0C38-ABA5-49C0-AFE5-0FE30326E8EF}" destId="{211B819B-72FD-43C7-8567-7F59F7D000D2}" srcOrd="5" destOrd="0" parTransId="{ACA5FE56-2A78-4F5B-BC18-8F69E0F67D66}" sibTransId="{6164CB42-2158-4716-BBAC-6671BC015E06}"/>
-    <dgm:cxn modelId="{C2CEAC95-AFDC-4B7F-B21D-760FEF603D0A}" srcId="{046A0C38-ABA5-49C0-AFE5-0FE30326E8EF}" destId="{D7D551B8-F23C-402B-88B0-87D246D1F054}" srcOrd="9" destOrd="0" parTransId="{E4582C8D-1D3C-47F5-9825-85CE80B2546D}" sibTransId="{3FFFBF5E-A6BF-4031-8D0A-EC8E230CF6A5}"/>
+    <dgm:cxn modelId="{DF124DF0-BD62-4A8A-8B72-024279541444}" type="presOf" srcId="{26B2D313-07E4-4863-83E0-A99AFD4AA106}" destId="{DDAA5B0E-8DCA-43BC-B68C-69BDF0BD7C6F}" srcOrd="0" destOrd="0" presId="urn:microsoft.com/office/officeart/2008/layout/PictureStrips"/>
     <dgm:cxn modelId="{73BA6F4E-45B2-4970-A6F4-8035CE5A05FD}" type="presOf" srcId="{CE78E03F-F8FD-4CBE-8FE8-FDA1AD0D1802}" destId="{9C3ACDA9-D345-47C2-90AD-758135EB8A8F}" srcOrd="0" destOrd="0" presId="urn:microsoft.com/office/officeart/2008/layout/PictureStrips"/>
-    <dgm:cxn modelId="{66518DB5-5395-4074-A587-A6F1314D9A72}" srcId="{046A0C38-ABA5-49C0-AFE5-0FE30326E8EF}" destId="{6DBAA9EC-069B-4406-8AC2-73F5015705AD}" srcOrd="1" destOrd="0" parTransId="{810564C3-24D0-4E1D-A601-7C2C7C676ECE}" sibTransId="{12B36706-E9AC-4ABD-B45D-E996E402F726}"/>
-    <dgm:cxn modelId="{DF124DF0-BD62-4A8A-8B72-024279541444}" type="presOf" srcId="{26B2D313-07E4-4863-83E0-A99AFD4AA106}" destId="{DDAA5B0E-8DCA-43BC-B68C-69BDF0BD7C6F}" srcOrd="0" destOrd="0" presId="urn:microsoft.com/office/officeart/2008/layout/PictureStrips"/>
-    <dgm:cxn modelId="{2F19E921-01D8-45BD-B2FD-F5069420507B}" srcId="{046A0C38-ABA5-49C0-AFE5-0FE30326E8EF}" destId="{241D0F6D-2534-4BDE-8F95-9AA895DB7235}" srcOrd="10" destOrd="0" parTransId="{8AA845AB-ADBC-403E-B4B3-C2FD0C38D495}" sibTransId="{39C03320-4968-48E9-BD5C-837BC687352C}"/>
-    <dgm:cxn modelId="{25F73CE0-FA8C-43C8-A3A7-37AC6DD8FAEA}" srcId="{046A0C38-ABA5-49C0-AFE5-0FE30326E8EF}" destId="{82786D5E-BB5F-44F6-ADFF-D3261831C493}" srcOrd="3" destOrd="0" parTransId="{D185888E-A97F-4943-9250-5EEC7409D981}" sibTransId="{7C96803C-26A3-4D58-BFA0-74188E1947BF}"/>
-    <dgm:cxn modelId="{284DA4AD-3A3F-4FEF-ABE5-46CC4CA0687F}" type="presOf" srcId="{DFDDFA96-F13C-4189-A525-14BAB7EB9723}" destId="{5F14977D-9A7C-413A-8289-A6F4EF3A10FE}" srcOrd="0" destOrd="0" presId="urn:microsoft.com/office/officeart/2008/layout/PictureStrips"/>
-    <dgm:cxn modelId="{9B8A69F2-6FB0-4830-8B41-2ECC3ABFE1C3}" type="presOf" srcId="{046A0C38-ABA5-49C0-AFE5-0FE30326E8EF}" destId="{16CCE959-22F6-4516-BC7C-BEF127F34EF7}" srcOrd="0" destOrd="0" presId="urn:microsoft.com/office/officeart/2008/layout/PictureStrips"/>
-    <dgm:cxn modelId="{D10976ED-D84E-4C94-8527-2F11B0E66A0F}" type="presOf" srcId="{6DBAA9EC-069B-4406-8AC2-73F5015705AD}" destId="{E6FE5D96-8624-4CEB-85ED-A72B76D9C315}" srcOrd="0" destOrd="0" presId="urn:microsoft.com/office/officeart/2008/layout/PictureStrips"/>
-    <dgm:cxn modelId="{A1F7988A-E87C-4373-BC71-6E05BA42008C}" type="presOf" srcId="{936CD7FD-10FF-4DB9-820F-9271618F305E}" destId="{9EF01376-D3C2-4510-AA15-E48174CD1F4D}" srcOrd="0" destOrd="0" presId="urn:microsoft.com/office/officeart/2008/layout/PictureStrips"/>
-    <dgm:cxn modelId="{1712D1A7-BC0D-43A6-9468-A7BBF737483D}" type="presOf" srcId="{241D0F6D-2534-4BDE-8F95-9AA895DB7235}" destId="{5A4DFD7C-5A41-4776-AE94-B05811EBD0AB}" srcOrd="0" destOrd="0" presId="urn:microsoft.com/office/officeart/2008/layout/PictureStrips"/>
-    <dgm:cxn modelId="{087805C0-327F-420E-9D4A-170394E95C80}" srcId="{046A0C38-ABA5-49C0-AFE5-0FE30326E8EF}" destId="{CE78E03F-F8FD-4CBE-8FE8-FDA1AD0D1802}" srcOrd="4" destOrd="0" parTransId="{D4474DAE-0DC9-4F7B-ACEE-02F4BBAC5458}" sibTransId="{ABFDA730-DC3F-4584-B74F-346E27CA0793}"/>
-    <dgm:cxn modelId="{98C127AE-2C97-4249-856C-0767D868880A}" srcId="{046A0C38-ABA5-49C0-AFE5-0FE30326E8EF}" destId="{08E7F6DE-BE42-4913-B989-6E3470795688}" srcOrd="6" destOrd="0" parTransId="{853ADAC0-8F6B-43DB-9941-6B89F03355C9}" sibTransId="{0BAE5237-B27C-4CF1-96B6-3B6776A688F8}"/>
-    <dgm:cxn modelId="{373C8D64-C42E-4BDA-A945-873F319E4997}" type="presOf" srcId="{D7D551B8-F23C-402B-88B0-87D246D1F054}" destId="{62ECA75E-F1EC-46FC-B08C-2880A6B76453}" srcOrd="0" destOrd="0" presId="urn:microsoft.com/office/officeart/2008/layout/PictureStrips"/>
-    <dgm:cxn modelId="{9CB1747B-FBAB-4C8A-92D3-2CDD65395E00}" type="presOf" srcId="{82786D5E-BB5F-44F6-ADFF-D3261831C493}" destId="{34AF2BB2-C0B9-4F2B-BAC6-802D5F90528D}" srcOrd="0" destOrd="0" presId="urn:microsoft.com/office/officeart/2008/layout/PictureStrips"/>
-    <dgm:cxn modelId="{6766EBB8-1133-450A-804A-01C989EC17E2}" srcId="{046A0C38-ABA5-49C0-AFE5-0FE30326E8EF}" destId="{26B2D313-07E4-4863-83E0-A99AFD4AA106}" srcOrd="8" destOrd="0" parTransId="{45A6C83D-594B-4DC7-B279-0413D5E13E66}" sibTransId="{E0C761BC-DE74-4163-9C12-BDAABF88A0E7}"/>
-    <dgm:cxn modelId="{F10BE648-C722-462F-B8BA-A1D752B89A7A}" type="presOf" srcId="{211B819B-72FD-43C7-8567-7F59F7D000D2}" destId="{35691642-04A6-4CB5-A763-366589F9E988}" srcOrd="0" destOrd="0" presId="urn:microsoft.com/office/officeart/2008/layout/PictureStrips"/>
-    <dgm:cxn modelId="{3CE46AAD-977B-4248-8F51-04AC24FF41EC}" type="presOf" srcId="{08E7F6DE-BE42-4913-B989-6E3470795688}" destId="{CEBF9F27-BDB4-46A0-9085-9EC805BF92AA}" srcOrd="0" destOrd="0" presId="urn:microsoft.com/office/officeart/2008/layout/PictureStrips"/>
-    <dgm:cxn modelId="{F40FC741-8A89-4FDE-A031-2806F7E7C1E6}" type="presOf" srcId="{C389FF1A-BECE-4110-98C1-FA6537696C4C}" destId="{BF715BD2-59FE-4241-9ECB-F56D2E0E2B8B}" srcOrd="0" destOrd="0" presId="urn:microsoft.com/office/officeart/2008/layout/PictureStrips"/>
     <dgm:cxn modelId="{364674E7-C281-42F1-877A-4CE16E892374}" type="presParOf" srcId="{16CCE959-22F6-4516-BC7C-BEF127F34EF7}" destId="{5F9B79BF-A4CD-4E0E-9D76-64C0510051E6}" srcOrd="0" destOrd="0" presId="urn:microsoft.com/office/officeart/2008/layout/PictureStrips"/>
     <dgm:cxn modelId="{5D3338D9-0D47-4EAA-906C-FF0EF13FDE8F}" type="presParOf" srcId="{5F9B79BF-A4CD-4E0E-9D76-64C0510051E6}" destId="{5F14977D-9A7C-413A-8289-A6F4EF3A10FE}" srcOrd="0" destOrd="0" presId="urn:microsoft.com/office/officeart/2008/layout/PictureStrips"/>
     <dgm:cxn modelId="{2BD48AFB-FCAF-47A6-8668-9968509A3D71}" type="presParOf" srcId="{5F9B79BF-A4CD-4E0E-9D76-64C0510051E6}" destId="{8CFD4C3C-4C87-42AD-B4A5-E831E469BEA6}" srcOrd="1" destOrd="0" presId="urn:microsoft.com/office/officeart/2008/layout/PictureStrips"/>
@@ -1810,1432 +1886,6 @@
       <dsp:cNvGrpSpPr/>
     </dsp:nvGrpSpPr>
     <dsp:grpSpPr/>
-    <dsp:sp modelId="{5F14977D-9A7C-413A-8289-A6F4EF3A10FE}">
-      <dsp:nvSpPr>
-        <dsp:cNvPr id="0" name=""/>
-        <dsp:cNvSpPr/>
-      </dsp:nvSpPr>
-      <dsp:spPr>
-        <a:xfrm>
-          <a:off x="991003" y="164324"/>
-          <a:ext cx="2933594" cy="916748"/>
-        </a:xfrm>
-        <a:prstGeom prst="rect">
-          <a:avLst/>
-        </a:prstGeom>
-        <a:solidFill>
-          <a:schemeClr val="lt1">
-            <a:alpha val="40000"/>
-            <a:hueOff val="0"/>
-            <a:satOff val="0"/>
-            <a:lumOff val="0"/>
-            <a:alphaOff val="0"/>
-          </a:schemeClr>
-        </a:solidFill>
-        <a:ln w="9525" cap="flat" cmpd="sng" algn="ctr">
-          <a:solidFill>
-            <a:schemeClr val="accent1">
-              <a:hueOff val="0"/>
-              <a:satOff val="0"/>
-              <a:lumOff val="0"/>
-              <a:alphaOff val="0"/>
-            </a:schemeClr>
-          </a:solidFill>
-          <a:prstDash val="solid"/>
-        </a:ln>
-        <a:effectLst/>
-      </dsp:spPr>
-      <dsp:style>
-        <a:lnRef idx="1">
-          <a:scrgbClr r="0" g="0" b="0"/>
-        </a:lnRef>
-        <a:fillRef idx="1">
-          <a:scrgbClr r="0" g="0" b="0"/>
-        </a:fillRef>
-        <a:effectRef idx="0">
-          <a:scrgbClr r="0" g="0" b="0"/>
-        </a:effectRef>
-        <a:fontRef idx="minor"/>
-      </dsp:style>
-      <dsp:txBody>
-        <a:bodyPr spcFirstLastPara="0" vert="horz" wrap="square" lIns="620944" tIns="99060" rIns="99060" bIns="99060" numCol="1" spcCol="1270" anchor="ctr" anchorCtr="0">
-          <a:noAutofit/>
-        </a:bodyPr>
-        <a:lstStyle/>
-        <a:p>
-          <a:pPr lvl="0" algn="ctr" defTabSz="1155700">
-            <a:lnSpc>
-              <a:spcPct val="90000"/>
-            </a:lnSpc>
-            <a:spcBef>
-              <a:spcPct val="0"/>
-            </a:spcBef>
-            <a:spcAft>
-              <a:spcPct val="35000"/>
-            </a:spcAft>
-          </a:pPr>
-          <a:r>
-            <a:rPr lang="es-US" sz="2600" kern="1200" dirty="0" smtClean="0">
-              <a:hlinkClick xmlns:r="http://schemas.openxmlformats.org/officeDocument/2006/relationships" r:id="" action="ppaction://hlinksldjump"/>
-            </a:rPr>
-            <a:t>Pre-requisitos</a:t>
-          </a:r>
-          <a:endParaRPr lang="es-US" sz="2600" kern="1200" dirty="0"/>
-        </a:p>
-      </dsp:txBody>
-      <dsp:txXfrm>
-        <a:off x="991003" y="164324"/>
-        <a:ext cx="2933594" cy="916748"/>
-      </dsp:txXfrm>
-    </dsp:sp>
-    <dsp:sp modelId="{8CFD4C3C-4C87-42AD-B4A5-E831E469BEA6}">
-      <dsp:nvSpPr>
-        <dsp:cNvPr id="0" name=""/>
-        <dsp:cNvSpPr/>
-      </dsp:nvSpPr>
-      <dsp:spPr>
-        <a:xfrm>
-          <a:off x="868769" y="31905"/>
-          <a:ext cx="641723" cy="962585"/>
-        </a:xfrm>
-        <a:prstGeom prst="rect">
-          <a:avLst/>
-        </a:prstGeom>
-        <a:blipFill>
-          <a:blip xmlns:r="http://schemas.openxmlformats.org/officeDocument/2006/relationships" r:embed="rId1">
-            <a:extLst>
-              <a:ext uri="{28A0092B-C50C-407E-A947-70E740481C1C}">
-                <a14:useLocalDpi xmlns:a14="http://schemas.microsoft.com/office/drawing/2010/main" val="0"/>
-              </a:ext>
-            </a:extLst>
-          </a:blip>
-          <a:srcRect/>
-          <a:stretch>
-            <a:fillRect l="-25000" r="-25000"/>
-          </a:stretch>
-        </a:blipFill>
-        <a:ln w="12700" cap="flat" cmpd="sng" algn="ctr">
-          <a:solidFill>
-            <a:schemeClr val="lt1">
-              <a:hueOff val="0"/>
-              <a:satOff val="0"/>
-              <a:lumOff val="0"/>
-              <a:alphaOff val="0"/>
-            </a:schemeClr>
-          </a:solidFill>
-          <a:prstDash val="solid"/>
-        </a:ln>
-        <a:effectLst/>
-      </dsp:spPr>
-      <dsp:style>
-        <a:lnRef idx="2">
-          <a:scrgbClr r="0" g="0" b="0"/>
-        </a:lnRef>
-        <a:fillRef idx="1">
-          <a:scrgbClr r="0" g="0" b="0"/>
-        </a:fillRef>
-        <a:effectRef idx="0">
-          <a:scrgbClr r="0" g="0" b="0"/>
-        </a:effectRef>
-        <a:fontRef idx="minor"/>
-      </dsp:style>
-    </dsp:sp>
-    <dsp:sp modelId="{E6FE5D96-8624-4CEB-85ED-A72B76D9C315}">
-      <dsp:nvSpPr>
-        <dsp:cNvPr id="0" name=""/>
-        <dsp:cNvSpPr/>
-      </dsp:nvSpPr>
-      <dsp:spPr>
-        <a:xfrm>
-          <a:off x="4172158" y="164324"/>
-          <a:ext cx="2933594" cy="916748"/>
-        </a:xfrm>
-        <a:prstGeom prst="rect">
-          <a:avLst/>
-        </a:prstGeom>
-        <a:solidFill>
-          <a:schemeClr val="lt1">
-            <a:alpha val="40000"/>
-            <a:hueOff val="0"/>
-            <a:satOff val="0"/>
-            <a:lumOff val="0"/>
-            <a:alphaOff val="0"/>
-          </a:schemeClr>
-        </a:solidFill>
-        <a:ln w="9525" cap="flat" cmpd="sng" algn="ctr">
-          <a:solidFill>
-            <a:schemeClr val="accent1">
-              <a:hueOff val="0"/>
-              <a:satOff val="0"/>
-              <a:lumOff val="0"/>
-              <a:alphaOff val="0"/>
-            </a:schemeClr>
-          </a:solidFill>
-          <a:prstDash val="solid"/>
-        </a:ln>
-        <a:effectLst/>
-      </dsp:spPr>
-      <dsp:style>
-        <a:lnRef idx="1">
-          <a:scrgbClr r="0" g="0" b="0"/>
-        </a:lnRef>
-        <a:fillRef idx="1">
-          <a:scrgbClr r="0" g="0" b="0"/>
-        </a:fillRef>
-        <a:effectRef idx="0">
-          <a:scrgbClr r="0" g="0" b="0"/>
-        </a:effectRef>
-        <a:fontRef idx="minor"/>
-      </dsp:style>
-      <dsp:txBody>
-        <a:bodyPr spcFirstLastPara="0" vert="horz" wrap="square" lIns="620944" tIns="99060" rIns="99060" bIns="99060" numCol="1" spcCol="1270" anchor="ctr" anchorCtr="0">
-          <a:noAutofit/>
-        </a:bodyPr>
-        <a:lstStyle/>
-        <a:p>
-          <a:pPr lvl="0" algn="ctr" defTabSz="1155700">
-            <a:lnSpc>
-              <a:spcPct val="90000"/>
-            </a:lnSpc>
-            <a:spcBef>
-              <a:spcPct val="0"/>
-            </a:spcBef>
-            <a:spcAft>
-              <a:spcPct val="35000"/>
-            </a:spcAft>
-          </a:pPr>
-          <a:r>
-            <a:rPr lang="es-US" sz="2600" kern="1200" dirty="0" smtClean="0">
-              <a:hlinkClick xmlns:r="http://schemas.openxmlformats.org/officeDocument/2006/relationships" r:id="" action="ppaction://hlinksldjump"/>
-            </a:rPr>
-            <a:t>Frameworks y estándares</a:t>
-          </a:r>
-          <a:endParaRPr lang="es-US" sz="2600" kern="1200" dirty="0"/>
-        </a:p>
-      </dsp:txBody>
-      <dsp:txXfrm>
-        <a:off x="4172158" y="164324"/>
-        <a:ext cx="2933594" cy="916748"/>
-      </dsp:txXfrm>
-    </dsp:sp>
-    <dsp:sp modelId="{6BA68153-468E-4B94-9B93-88AD5E4C8C53}">
-      <dsp:nvSpPr>
-        <dsp:cNvPr id="0" name=""/>
-        <dsp:cNvSpPr/>
-      </dsp:nvSpPr>
-      <dsp:spPr>
-        <a:xfrm>
-          <a:off x="4049925" y="31905"/>
-          <a:ext cx="641723" cy="962585"/>
-        </a:xfrm>
-        <a:prstGeom prst="rect">
-          <a:avLst/>
-        </a:prstGeom>
-        <a:blipFill>
-          <a:blip xmlns:r="http://schemas.openxmlformats.org/officeDocument/2006/relationships" r:embed="rId2">
-            <a:extLst>
-              <a:ext uri="{28A0092B-C50C-407E-A947-70E740481C1C}">
-                <a14:useLocalDpi xmlns:a14="http://schemas.microsoft.com/office/drawing/2010/main" val="0"/>
-              </a:ext>
-            </a:extLst>
-          </a:blip>
-          <a:srcRect/>
-          <a:stretch>
-            <a:fillRect l="-25000" r="-25000"/>
-          </a:stretch>
-        </a:blipFill>
-        <a:ln w="12700" cap="flat" cmpd="sng" algn="ctr">
-          <a:solidFill>
-            <a:schemeClr val="lt1">
-              <a:hueOff val="0"/>
-              <a:satOff val="0"/>
-              <a:lumOff val="0"/>
-              <a:alphaOff val="0"/>
-            </a:schemeClr>
-          </a:solidFill>
-          <a:prstDash val="solid"/>
-        </a:ln>
-        <a:effectLst/>
-      </dsp:spPr>
-      <dsp:style>
-        <a:lnRef idx="2">
-          <a:scrgbClr r="0" g="0" b="0"/>
-        </a:lnRef>
-        <a:fillRef idx="1">
-          <a:scrgbClr r="0" g="0" b="0"/>
-        </a:fillRef>
-        <a:effectRef idx="0">
-          <a:scrgbClr r="0" g="0" b="0"/>
-        </a:effectRef>
-        <a:fontRef idx="minor"/>
-      </dsp:style>
-    </dsp:sp>
-    <dsp:sp modelId="{9EF01376-D3C2-4510-AA15-E48174CD1F4D}">
-      <dsp:nvSpPr>
-        <dsp:cNvPr id="0" name=""/>
-        <dsp:cNvSpPr/>
-      </dsp:nvSpPr>
-      <dsp:spPr>
-        <a:xfrm>
-          <a:off x="7353314" y="164324"/>
-          <a:ext cx="2933594" cy="916748"/>
-        </a:xfrm>
-        <a:prstGeom prst="rect">
-          <a:avLst/>
-        </a:prstGeom>
-        <a:solidFill>
-          <a:schemeClr val="tx1">
-            <a:alpha val="40000"/>
-          </a:schemeClr>
-        </a:solidFill>
-        <a:ln w="9525" cap="flat" cmpd="sng" algn="ctr">
-          <a:solidFill>
-            <a:schemeClr val="accent1">
-              <a:hueOff val="0"/>
-              <a:satOff val="0"/>
-              <a:lumOff val="0"/>
-              <a:alphaOff val="0"/>
-            </a:schemeClr>
-          </a:solidFill>
-          <a:prstDash val="solid"/>
-        </a:ln>
-        <a:effectLst/>
-      </dsp:spPr>
-      <dsp:style>
-        <a:lnRef idx="1">
-          <a:scrgbClr r="0" g="0" b="0"/>
-        </a:lnRef>
-        <a:fillRef idx="1">
-          <a:scrgbClr r="0" g="0" b="0"/>
-        </a:fillRef>
-        <a:effectRef idx="0">
-          <a:scrgbClr r="0" g="0" b="0"/>
-        </a:effectRef>
-        <a:fontRef idx="minor"/>
-      </dsp:style>
-      <dsp:txBody>
-        <a:bodyPr spcFirstLastPara="0" vert="horz" wrap="square" lIns="620944" tIns="99060" rIns="99060" bIns="99060" numCol="1" spcCol="1270" anchor="ctr" anchorCtr="0">
-          <a:noAutofit/>
-        </a:bodyPr>
-        <a:lstStyle/>
-        <a:p>
-          <a:pPr lvl="0" algn="ctr" defTabSz="1155700">
-            <a:lnSpc>
-              <a:spcPct val="90000"/>
-            </a:lnSpc>
-            <a:spcBef>
-              <a:spcPct val="0"/>
-            </a:spcBef>
-            <a:spcAft>
-              <a:spcPct val="35000"/>
-            </a:spcAft>
-          </a:pPr>
-          <a:r>
-            <a:rPr lang="es-US" sz="2600" kern="1200" dirty="0" smtClean="0">
-              <a:hlinkClick xmlns:r="http://schemas.openxmlformats.org/officeDocument/2006/relationships" r:id="" action="ppaction://hlinksldjump"/>
-            </a:rPr>
-            <a:t>Diagrama de servicios</a:t>
-          </a:r>
-          <a:endParaRPr lang="es-US" sz="2600" kern="1200" dirty="0"/>
-        </a:p>
-      </dsp:txBody>
-      <dsp:txXfrm>
-        <a:off x="7353314" y="164324"/>
-        <a:ext cx="2933594" cy="916748"/>
-      </dsp:txXfrm>
-    </dsp:sp>
-    <dsp:sp modelId="{1B178B96-C1A6-46F8-B153-812015436C6F}">
-      <dsp:nvSpPr>
-        <dsp:cNvPr id="0" name=""/>
-        <dsp:cNvSpPr/>
-      </dsp:nvSpPr>
-      <dsp:spPr>
-        <a:xfrm>
-          <a:off x="7231080" y="31905"/>
-          <a:ext cx="641723" cy="962585"/>
-        </a:xfrm>
-        <a:prstGeom prst="rect">
-          <a:avLst/>
-        </a:prstGeom>
-        <a:blipFill>
-          <a:blip xmlns:r="http://schemas.openxmlformats.org/officeDocument/2006/relationships" r:embed="rId3">
-            <a:extLst>
-              <a:ext uri="{28A0092B-C50C-407E-A947-70E740481C1C}">
-                <a14:useLocalDpi xmlns:a14="http://schemas.microsoft.com/office/drawing/2010/main" val="0"/>
-              </a:ext>
-            </a:extLst>
-          </a:blip>
-          <a:srcRect/>
-          <a:stretch>
-            <a:fillRect l="-25000" r="-25000"/>
-          </a:stretch>
-        </a:blipFill>
-        <a:ln w="12700" cap="flat" cmpd="sng" algn="ctr">
-          <a:solidFill>
-            <a:schemeClr val="lt1">
-              <a:hueOff val="0"/>
-              <a:satOff val="0"/>
-              <a:lumOff val="0"/>
-              <a:alphaOff val="0"/>
-            </a:schemeClr>
-          </a:solidFill>
-          <a:prstDash val="solid"/>
-        </a:ln>
-        <a:effectLst/>
-      </dsp:spPr>
-      <dsp:style>
-        <a:lnRef idx="2">
-          <a:scrgbClr r="0" g="0" b="0"/>
-        </a:lnRef>
-        <a:fillRef idx="1">
-          <a:scrgbClr r="0" g="0" b="0"/>
-        </a:fillRef>
-        <a:effectRef idx="0">
-          <a:scrgbClr r="0" g="0" b="0"/>
-        </a:effectRef>
-        <a:fontRef idx="minor"/>
-      </dsp:style>
-    </dsp:sp>
-    <dsp:sp modelId="{34AF2BB2-C0B9-4F2B-BAC6-802D5F90528D}">
-      <dsp:nvSpPr>
-        <dsp:cNvPr id="0" name=""/>
-        <dsp:cNvSpPr/>
-      </dsp:nvSpPr>
-      <dsp:spPr>
-        <a:xfrm>
-          <a:off x="991003" y="1318408"/>
-          <a:ext cx="2933594" cy="916748"/>
-        </a:xfrm>
-        <a:prstGeom prst="rect">
-          <a:avLst/>
-        </a:prstGeom>
-        <a:solidFill>
-          <a:schemeClr val="lt1">
-            <a:alpha val="40000"/>
-            <a:hueOff val="0"/>
-            <a:satOff val="0"/>
-            <a:lumOff val="0"/>
-            <a:alphaOff val="0"/>
-          </a:schemeClr>
-        </a:solidFill>
-        <a:ln w="9525" cap="flat" cmpd="sng" algn="ctr">
-          <a:solidFill>
-            <a:schemeClr val="accent1">
-              <a:hueOff val="0"/>
-              <a:satOff val="0"/>
-              <a:lumOff val="0"/>
-              <a:alphaOff val="0"/>
-            </a:schemeClr>
-          </a:solidFill>
-          <a:prstDash val="solid"/>
-        </a:ln>
-        <a:effectLst/>
-      </dsp:spPr>
-      <dsp:style>
-        <a:lnRef idx="1">
-          <a:scrgbClr r="0" g="0" b="0"/>
-        </a:lnRef>
-        <a:fillRef idx="1">
-          <a:scrgbClr r="0" g="0" b="0"/>
-        </a:fillRef>
-        <a:effectRef idx="0">
-          <a:scrgbClr r="0" g="0" b="0"/>
-        </a:effectRef>
-        <a:fontRef idx="minor"/>
-      </dsp:style>
-      <dsp:txBody>
-        <a:bodyPr spcFirstLastPara="0" vert="horz" wrap="square" lIns="620944" tIns="99060" rIns="99060" bIns="99060" numCol="1" spcCol="1270" anchor="ctr" anchorCtr="0">
-          <a:noAutofit/>
-        </a:bodyPr>
-        <a:lstStyle/>
-        <a:p>
-          <a:pPr lvl="0" algn="ctr" defTabSz="1155700">
-            <a:lnSpc>
-              <a:spcPct val="90000"/>
-            </a:lnSpc>
-            <a:spcBef>
-              <a:spcPct val="0"/>
-            </a:spcBef>
-            <a:spcAft>
-              <a:spcPct val="35000"/>
-            </a:spcAft>
-          </a:pPr>
-          <a:r>
-            <a:rPr lang="es-US" sz="2600" kern="1200" dirty="0" smtClean="0">
-              <a:hlinkClick xmlns:r="http://schemas.openxmlformats.org/officeDocument/2006/relationships" r:id="" action="ppaction://hlinksldjump"/>
-            </a:rPr>
-            <a:t>Interfaces con otros sistemas</a:t>
-          </a:r>
-          <a:endParaRPr lang="es-US" sz="2600" kern="1200" dirty="0"/>
-        </a:p>
-      </dsp:txBody>
-      <dsp:txXfrm>
-        <a:off x="991003" y="1318408"/>
-        <a:ext cx="2933594" cy="916748"/>
-      </dsp:txXfrm>
-    </dsp:sp>
-    <dsp:sp modelId="{4D24E35C-D50A-4755-B50B-0A84A40E165B}">
-      <dsp:nvSpPr>
-        <dsp:cNvPr id="0" name=""/>
-        <dsp:cNvSpPr/>
-      </dsp:nvSpPr>
-      <dsp:spPr>
-        <a:xfrm>
-          <a:off x="868769" y="1185989"/>
-          <a:ext cx="641723" cy="962585"/>
-        </a:xfrm>
-        <a:prstGeom prst="rect">
-          <a:avLst/>
-        </a:prstGeom>
-        <a:blipFill>
-          <a:blip xmlns:r="http://schemas.openxmlformats.org/officeDocument/2006/relationships" r:embed="rId4">
-            <a:extLst>
-              <a:ext uri="{28A0092B-C50C-407E-A947-70E740481C1C}">
-                <a14:useLocalDpi xmlns:a14="http://schemas.microsoft.com/office/drawing/2010/main" val="0"/>
-              </a:ext>
-            </a:extLst>
-          </a:blip>
-          <a:srcRect/>
-          <a:stretch>
-            <a:fillRect l="-70000" r="-70000"/>
-          </a:stretch>
-        </a:blipFill>
-        <a:ln w="12700" cap="flat" cmpd="sng" algn="ctr">
-          <a:solidFill>
-            <a:schemeClr val="lt1">
-              <a:hueOff val="0"/>
-              <a:satOff val="0"/>
-              <a:lumOff val="0"/>
-              <a:alphaOff val="0"/>
-            </a:schemeClr>
-          </a:solidFill>
-          <a:prstDash val="solid"/>
-        </a:ln>
-        <a:effectLst/>
-      </dsp:spPr>
-      <dsp:style>
-        <a:lnRef idx="2">
-          <a:scrgbClr r="0" g="0" b="0"/>
-        </a:lnRef>
-        <a:fillRef idx="1">
-          <a:scrgbClr r="0" g="0" b="0"/>
-        </a:fillRef>
-        <a:effectRef idx="0">
-          <a:scrgbClr r="0" g="0" b="0"/>
-        </a:effectRef>
-        <a:fontRef idx="minor"/>
-      </dsp:style>
-    </dsp:sp>
-    <dsp:sp modelId="{9C3ACDA9-D345-47C2-90AD-758135EB8A8F}">
-      <dsp:nvSpPr>
-        <dsp:cNvPr id="0" name=""/>
-        <dsp:cNvSpPr/>
-      </dsp:nvSpPr>
-      <dsp:spPr>
-        <a:xfrm>
-          <a:off x="4172158" y="1318408"/>
-          <a:ext cx="2933594" cy="916748"/>
-        </a:xfrm>
-        <a:prstGeom prst="rect">
-          <a:avLst/>
-        </a:prstGeom>
-        <a:solidFill>
-          <a:schemeClr val="lt1">
-            <a:alpha val="40000"/>
-            <a:hueOff val="0"/>
-            <a:satOff val="0"/>
-            <a:lumOff val="0"/>
-            <a:alphaOff val="0"/>
-          </a:schemeClr>
-        </a:solidFill>
-        <a:ln w="9525" cap="flat" cmpd="sng" algn="ctr">
-          <a:solidFill>
-            <a:schemeClr val="accent1">
-              <a:hueOff val="0"/>
-              <a:satOff val="0"/>
-              <a:lumOff val="0"/>
-              <a:alphaOff val="0"/>
-            </a:schemeClr>
-          </a:solidFill>
-          <a:prstDash val="solid"/>
-        </a:ln>
-        <a:effectLst/>
-      </dsp:spPr>
-      <dsp:style>
-        <a:lnRef idx="1">
-          <a:scrgbClr r="0" g="0" b="0"/>
-        </a:lnRef>
-        <a:fillRef idx="1">
-          <a:scrgbClr r="0" g="0" b="0"/>
-        </a:fillRef>
-        <a:effectRef idx="0">
-          <a:scrgbClr r="0" g="0" b="0"/>
-        </a:effectRef>
-        <a:fontRef idx="minor"/>
-      </dsp:style>
-      <dsp:txBody>
-        <a:bodyPr spcFirstLastPara="0" vert="horz" wrap="square" lIns="620944" tIns="99060" rIns="99060" bIns="99060" numCol="1" spcCol="1270" anchor="ctr" anchorCtr="0">
-          <a:noAutofit/>
-        </a:bodyPr>
-        <a:lstStyle/>
-        <a:p>
-          <a:pPr lvl="0" algn="ctr" defTabSz="1155700">
-            <a:lnSpc>
-              <a:spcPct val="90000"/>
-            </a:lnSpc>
-            <a:spcBef>
-              <a:spcPct val="0"/>
-            </a:spcBef>
-            <a:spcAft>
-              <a:spcPct val="35000"/>
-            </a:spcAft>
-          </a:pPr>
-          <a:r>
-            <a:rPr lang="es-US" sz="2600" kern="1200" dirty="0" smtClean="0">
-              <a:hlinkClick xmlns:r="http://schemas.openxmlformats.org/officeDocument/2006/relationships" r:id="" action="ppaction://hlinksldjump"/>
-            </a:rPr>
-            <a:t>Modelo de datos</a:t>
-          </a:r>
-          <a:endParaRPr lang="es-US" sz="2600" kern="1200" dirty="0"/>
-        </a:p>
-      </dsp:txBody>
-      <dsp:txXfrm>
-        <a:off x="4172158" y="1318408"/>
-        <a:ext cx="2933594" cy="916748"/>
-      </dsp:txXfrm>
-    </dsp:sp>
-    <dsp:sp modelId="{09BA32F8-914C-4C8D-9E81-5784BF745FB8}">
-      <dsp:nvSpPr>
-        <dsp:cNvPr id="0" name=""/>
-        <dsp:cNvSpPr/>
-      </dsp:nvSpPr>
-      <dsp:spPr>
-        <a:xfrm>
-          <a:off x="4049925" y="1185989"/>
-          <a:ext cx="641723" cy="962585"/>
-        </a:xfrm>
-        <a:prstGeom prst="rect">
-          <a:avLst/>
-        </a:prstGeom>
-        <a:blipFill>
-          <a:blip xmlns:r="http://schemas.openxmlformats.org/officeDocument/2006/relationships" r:embed="rId5">
-            <a:extLst>
-              <a:ext uri="{28A0092B-C50C-407E-A947-70E740481C1C}">
-                <a14:useLocalDpi xmlns:a14="http://schemas.microsoft.com/office/drawing/2010/main" val="0"/>
-              </a:ext>
-            </a:extLst>
-          </a:blip>
-          <a:srcRect/>
-          <a:stretch>
-            <a:fillRect l="-25000" r="-25000"/>
-          </a:stretch>
-        </a:blipFill>
-        <a:ln w="12700" cap="flat" cmpd="sng" algn="ctr">
-          <a:solidFill>
-            <a:schemeClr val="lt1">
-              <a:hueOff val="0"/>
-              <a:satOff val="0"/>
-              <a:lumOff val="0"/>
-              <a:alphaOff val="0"/>
-            </a:schemeClr>
-          </a:solidFill>
-          <a:prstDash val="solid"/>
-        </a:ln>
-        <a:effectLst/>
-      </dsp:spPr>
-      <dsp:style>
-        <a:lnRef idx="2">
-          <a:scrgbClr r="0" g="0" b="0"/>
-        </a:lnRef>
-        <a:fillRef idx="1">
-          <a:scrgbClr r="0" g="0" b="0"/>
-        </a:fillRef>
-        <a:effectRef idx="0">
-          <a:scrgbClr r="0" g="0" b="0"/>
-        </a:effectRef>
-        <a:fontRef idx="minor"/>
-      </dsp:style>
-    </dsp:sp>
-    <dsp:sp modelId="{35691642-04A6-4CB5-A763-366589F9E988}">
-      <dsp:nvSpPr>
-        <dsp:cNvPr id="0" name=""/>
-        <dsp:cNvSpPr/>
-      </dsp:nvSpPr>
-      <dsp:spPr>
-        <a:xfrm>
-          <a:off x="7353314" y="1318408"/>
-          <a:ext cx="2933594" cy="916748"/>
-        </a:xfrm>
-        <a:prstGeom prst="rect">
-          <a:avLst/>
-        </a:prstGeom>
-        <a:solidFill>
-          <a:schemeClr val="lt1">
-            <a:alpha val="40000"/>
-            <a:hueOff val="0"/>
-            <a:satOff val="0"/>
-            <a:lumOff val="0"/>
-            <a:alphaOff val="0"/>
-          </a:schemeClr>
-        </a:solidFill>
-        <a:ln w="9525" cap="flat" cmpd="sng" algn="ctr">
-          <a:solidFill>
-            <a:schemeClr val="accent1">
-              <a:hueOff val="0"/>
-              <a:satOff val="0"/>
-              <a:lumOff val="0"/>
-              <a:alphaOff val="0"/>
-            </a:schemeClr>
-          </a:solidFill>
-          <a:prstDash val="solid"/>
-        </a:ln>
-        <a:effectLst/>
-      </dsp:spPr>
-      <dsp:style>
-        <a:lnRef idx="1">
-          <a:scrgbClr r="0" g="0" b="0"/>
-        </a:lnRef>
-        <a:fillRef idx="1">
-          <a:scrgbClr r="0" g="0" b="0"/>
-        </a:fillRef>
-        <a:effectRef idx="0">
-          <a:scrgbClr r="0" g="0" b="0"/>
-        </a:effectRef>
-        <a:fontRef idx="minor"/>
-      </dsp:style>
-      <dsp:txBody>
-        <a:bodyPr spcFirstLastPara="0" vert="horz" wrap="square" lIns="620944" tIns="99060" rIns="99060" bIns="99060" numCol="1" spcCol="1270" anchor="ctr" anchorCtr="0">
-          <a:noAutofit/>
-        </a:bodyPr>
-        <a:lstStyle/>
-        <a:p>
-          <a:pPr lvl="0" algn="ctr" defTabSz="1155700">
-            <a:lnSpc>
-              <a:spcPct val="90000"/>
-            </a:lnSpc>
-            <a:spcBef>
-              <a:spcPct val="0"/>
-            </a:spcBef>
-            <a:spcAft>
-              <a:spcPct val="35000"/>
-            </a:spcAft>
-          </a:pPr>
-          <a:r>
-            <a:rPr lang="es-US" sz="2600" kern="1200" dirty="0" smtClean="0">
-              <a:hlinkClick xmlns:r="http://schemas.openxmlformats.org/officeDocument/2006/relationships" r:id="" action="ppaction://hlinksldjump"/>
-            </a:rPr>
-            <a:t>Modelo de persistencia</a:t>
-          </a:r>
-          <a:endParaRPr lang="es-US" sz="2600" kern="1200" dirty="0"/>
-        </a:p>
-      </dsp:txBody>
-      <dsp:txXfrm>
-        <a:off x="7353314" y="1318408"/>
-        <a:ext cx="2933594" cy="916748"/>
-      </dsp:txXfrm>
-    </dsp:sp>
-    <dsp:sp modelId="{EF2EBF88-D32D-44C7-81B4-FE71A3B49EE0}">
-      <dsp:nvSpPr>
-        <dsp:cNvPr id="0" name=""/>
-        <dsp:cNvSpPr/>
-      </dsp:nvSpPr>
-      <dsp:spPr>
-        <a:xfrm>
-          <a:off x="7231080" y="1185989"/>
-          <a:ext cx="641723" cy="962585"/>
-        </a:xfrm>
-        <a:prstGeom prst="rect">
-          <a:avLst/>
-        </a:prstGeom>
-        <a:blipFill>
-          <a:blip xmlns:r="http://schemas.openxmlformats.org/officeDocument/2006/relationships" r:embed="rId6">
-            <a:extLst>
-              <a:ext uri="{28A0092B-C50C-407E-A947-70E740481C1C}">
-                <a14:useLocalDpi xmlns:a14="http://schemas.microsoft.com/office/drawing/2010/main" val="0"/>
-              </a:ext>
-            </a:extLst>
-          </a:blip>
-          <a:srcRect/>
-          <a:stretch>
-            <a:fillRect l="-25000" r="-25000"/>
-          </a:stretch>
-        </a:blipFill>
-        <a:ln w="12700" cap="flat" cmpd="sng" algn="ctr">
-          <a:solidFill>
-            <a:schemeClr val="lt1">
-              <a:hueOff val="0"/>
-              <a:satOff val="0"/>
-              <a:lumOff val="0"/>
-              <a:alphaOff val="0"/>
-            </a:schemeClr>
-          </a:solidFill>
-          <a:prstDash val="solid"/>
-        </a:ln>
-        <a:effectLst/>
-      </dsp:spPr>
-      <dsp:style>
-        <a:lnRef idx="2">
-          <a:scrgbClr r="0" g="0" b="0"/>
-        </a:lnRef>
-        <a:fillRef idx="1">
-          <a:scrgbClr r="0" g="0" b="0"/>
-        </a:fillRef>
-        <a:effectRef idx="0">
-          <a:scrgbClr r="0" g="0" b="0"/>
-        </a:effectRef>
-        <a:fontRef idx="minor"/>
-      </dsp:style>
-    </dsp:sp>
-    <dsp:sp modelId="{CEBF9F27-BDB4-46A0-9085-9EC805BF92AA}">
-      <dsp:nvSpPr>
-        <dsp:cNvPr id="0" name=""/>
-        <dsp:cNvSpPr/>
-      </dsp:nvSpPr>
-      <dsp:spPr>
-        <a:xfrm>
-          <a:off x="991003" y="2472493"/>
-          <a:ext cx="2933594" cy="916748"/>
-        </a:xfrm>
-        <a:prstGeom prst="rect">
-          <a:avLst/>
-        </a:prstGeom>
-        <a:solidFill>
-          <a:schemeClr val="lt1">
-            <a:alpha val="40000"/>
-            <a:hueOff val="0"/>
-            <a:satOff val="0"/>
-            <a:lumOff val="0"/>
-            <a:alphaOff val="0"/>
-          </a:schemeClr>
-        </a:solidFill>
-        <a:ln w="9525" cap="flat" cmpd="sng" algn="ctr">
-          <a:solidFill>
-            <a:schemeClr val="accent1">
-              <a:hueOff val="0"/>
-              <a:satOff val="0"/>
-              <a:lumOff val="0"/>
-              <a:alphaOff val="0"/>
-            </a:schemeClr>
-          </a:solidFill>
-          <a:prstDash val="solid"/>
-        </a:ln>
-        <a:effectLst/>
-      </dsp:spPr>
-      <dsp:style>
-        <a:lnRef idx="1">
-          <a:scrgbClr r="0" g="0" b="0"/>
-        </a:lnRef>
-        <a:fillRef idx="1">
-          <a:scrgbClr r="0" g="0" b="0"/>
-        </a:fillRef>
-        <a:effectRef idx="0">
-          <a:scrgbClr r="0" g="0" b="0"/>
-        </a:effectRef>
-        <a:fontRef idx="minor"/>
-      </dsp:style>
-      <dsp:txBody>
-        <a:bodyPr spcFirstLastPara="0" vert="horz" wrap="square" lIns="620944" tIns="99060" rIns="99060" bIns="99060" numCol="1" spcCol="1270" anchor="ctr" anchorCtr="0">
-          <a:noAutofit/>
-        </a:bodyPr>
-        <a:lstStyle/>
-        <a:p>
-          <a:pPr lvl="0" algn="ctr" defTabSz="1155700">
-            <a:lnSpc>
-              <a:spcPct val="90000"/>
-            </a:lnSpc>
-            <a:spcBef>
-              <a:spcPct val="0"/>
-            </a:spcBef>
-            <a:spcAft>
-              <a:spcPct val="35000"/>
-            </a:spcAft>
-          </a:pPr>
-          <a:r>
-            <a:rPr lang="es-US" sz="2600" kern="1200" dirty="0" smtClean="0">
-              <a:hlinkClick xmlns:r="http://schemas.openxmlformats.org/officeDocument/2006/relationships" r:id="" action="ppaction://hlinksldjump"/>
-            </a:rPr>
-            <a:t>Reglas de negocio</a:t>
-          </a:r>
-          <a:endParaRPr lang="es-US" sz="2600" kern="1200" dirty="0"/>
-        </a:p>
-      </dsp:txBody>
-      <dsp:txXfrm>
-        <a:off x="991003" y="2472493"/>
-        <a:ext cx="2933594" cy="916748"/>
-      </dsp:txXfrm>
-    </dsp:sp>
-    <dsp:sp modelId="{1E46A8A7-5FDD-4E32-8354-B09002BF39EE}">
-      <dsp:nvSpPr>
-        <dsp:cNvPr id="0" name=""/>
-        <dsp:cNvSpPr/>
-      </dsp:nvSpPr>
-      <dsp:spPr>
-        <a:xfrm>
-          <a:off x="868769" y="2340073"/>
-          <a:ext cx="641723" cy="962585"/>
-        </a:xfrm>
-        <a:prstGeom prst="rect">
-          <a:avLst/>
-        </a:prstGeom>
-        <a:blipFill>
-          <a:blip xmlns:r="http://schemas.openxmlformats.org/officeDocument/2006/relationships" r:embed="rId7">
-            <a:extLst>
-              <a:ext uri="{28A0092B-C50C-407E-A947-70E740481C1C}">
-                <a14:useLocalDpi xmlns:a14="http://schemas.microsoft.com/office/drawing/2010/main" val="0"/>
-              </a:ext>
-            </a:extLst>
-          </a:blip>
-          <a:srcRect/>
-          <a:stretch>
-            <a:fillRect l="-29000" r="-29000"/>
-          </a:stretch>
-        </a:blipFill>
-        <a:ln w="12700" cap="flat" cmpd="sng" algn="ctr">
-          <a:solidFill>
-            <a:schemeClr val="lt1">
-              <a:hueOff val="0"/>
-              <a:satOff val="0"/>
-              <a:lumOff val="0"/>
-              <a:alphaOff val="0"/>
-            </a:schemeClr>
-          </a:solidFill>
-          <a:prstDash val="solid"/>
-        </a:ln>
-        <a:effectLst/>
-      </dsp:spPr>
-      <dsp:style>
-        <a:lnRef idx="2">
-          <a:scrgbClr r="0" g="0" b="0"/>
-        </a:lnRef>
-        <a:fillRef idx="1">
-          <a:scrgbClr r="0" g="0" b="0"/>
-        </a:fillRef>
-        <a:effectRef idx="0">
-          <a:scrgbClr r="0" g="0" b="0"/>
-        </a:effectRef>
-        <a:fontRef idx="minor"/>
-      </dsp:style>
-    </dsp:sp>
-    <dsp:sp modelId="{BF715BD2-59FE-4241-9ECB-F56D2E0E2B8B}">
-      <dsp:nvSpPr>
-        <dsp:cNvPr id="0" name=""/>
-        <dsp:cNvSpPr/>
-      </dsp:nvSpPr>
-      <dsp:spPr>
-        <a:xfrm>
-          <a:off x="4172158" y="2472493"/>
-          <a:ext cx="2933594" cy="916748"/>
-        </a:xfrm>
-        <a:prstGeom prst="rect">
-          <a:avLst/>
-        </a:prstGeom>
-        <a:solidFill>
-          <a:schemeClr val="lt1">
-            <a:alpha val="40000"/>
-            <a:hueOff val="0"/>
-            <a:satOff val="0"/>
-            <a:lumOff val="0"/>
-            <a:alphaOff val="0"/>
-          </a:schemeClr>
-        </a:solidFill>
-        <a:ln w="9525" cap="flat" cmpd="sng" algn="ctr">
-          <a:solidFill>
-            <a:schemeClr val="accent1">
-              <a:hueOff val="0"/>
-              <a:satOff val="0"/>
-              <a:lumOff val="0"/>
-              <a:alphaOff val="0"/>
-            </a:schemeClr>
-          </a:solidFill>
-          <a:prstDash val="solid"/>
-        </a:ln>
-        <a:effectLst/>
-      </dsp:spPr>
-      <dsp:style>
-        <a:lnRef idx="1">
-          <a:scrgbClr r="0" g="0" b="0"/>
-        </a:lnRef>
-        <a:fillRef idx="1">
-          <a:scrgbClr r="0" g="0" b="0"/>
-        </a:fillRef>
-        <a:effectRef idx="0">
-          <a:scrgbClr r="0" g="0" b="0"/>
-        </a:effectRef>
-        <a:fontRef idx="minor"/>
-      </dsp:style>
-      <dsp:txBody>
-        <a:bodyPr spcFirstLastPara="0" vert="horz" wrap="square" lIns="620944" tIns="99060" rIns="99060" bIns="99060" numCol="1" spcCol="1270" anchor="ctr" anchorCtr="0">
-          <a:noAutofit/>
-        </a:bodyPr>
-        <a:lstStyle/>
-        <a:p>
-          <a:pPr lvl="0" algn="ctr" defTabSz="1155700">
-            <a:lnSpc>
-              <a:spcPct val="90000"/>
-            </a:lnSpc>
-            <a:spcBef>
-              <a:spcPct val="0"/>
-            </a:spcBef>
-            <a:spcAft>
-              <a:spcPct val="35000"/>
-            </a:spcAft>
-          </a:pPr>
-          <a:r>
-            <a:rPr lang="es-US" sz="2600" kern="1200" dirty="0" smtClean="0">
-              <a:hlinkClick xmlns:r="http://schemas.openxmlformats.org/officeDocument/2006/relationships" r:id="" action="ppaction://hlinksldjump"/>
-            </a:rPr>
-            <a:t>Scripts de instalación</a:t>
-          </a:r>
-          <a:endParaRPr lang="es-US" sz="2600" kern="1200" dirty="0"/>
-        </a:p>
-      </dsp:txBody>
-      <dsp:txXfrm>
-        <a:off x="4172158" y="2472493"/>
-        <a:ext cx="2933594" cy="916748"/>
-      </dsp:txXfrm>
-    </dsp:sp>
-    <dsp:sp modelId="{C8EBE56C-3A21-4FF3-96EF-E170E83469DF}">
-      <dsp:nvSpPr>
-        <dsp:cNvPr id="0" name=""/>
-        <dsp:cNvSpPr/>
-      </dsp:nvSpPr>
-      <dsp:spPr>
-        <a:xfrm>
-          <a:off x="4049925" y="2340073"/>
-          <a:ext cx="641723" cy="962585"/>
-        </a:xfrm>
-        <a:prstGeom prst="rect">
-          <a:avLst/>
-        </a:prstGeom>
-        <a:blipFill>
-          <a:blip xmlns:r="http://schemas.openxmlformats.org/officeDocument/2006/relationships" r:embed="rId8">
-            <a:extLst>
-              <a:ext uri="{28A0092B-C50C-407E-A947-70E740481C1C}">
-                <a14:useLocalDpi xmlns:a14="http://schemas.microsoft.com/office/drawing/2010/main" val="0"/>
-              </a:ext>
-            </a:extLst>
-          </a:blip>
-          <a:srcRect/>
-          <a:stretch>
-            <a:fillRect l="-19000" r="-19000"/>
-          </a:stretch>
-        </a:blipFill>
-        <a:ln w="12700" cap="flat" cmpd="sng" algn="ctr">
-          <a:solidFill>
-            <a:schemeClr val="lt1">
-              <a:hueOff val="0"/>
-              <a:satOff val="0"/>
-              <a:lumOff val="0"/>
-              <a:alphaOff val="0"/>
-            </a:schemeClr>
-          </a:solidFill>
-          <a:prstDash val="solid"/>
-        </a:ln>
-        <a:effectLst/>
-      </dsp:spPr>
-      <dsp:style>
-        <a:lnRef idx="2">
-          <a:scrgbClr r="0" g="0" b="0"/>
-        </a:lnRef>
-        <a:fillRef idx="1">
-          <a:scrgbClr r="0" g="0" b="0"/>
-        </a:fillRef>
-        <a:effectRef idx="0">
-          <a:scrgbClr r="0" g="0" b="0"/>
-        </a:effectRef>
-        <a:fontRef idx="minor"/>
-      </dsp:style>
-    </dsp:sp>
-    <dsp:sp modelId="{DDAA5B0E-8DCA-43BC-B68C-69BDF0BD7C6F}">
-      <dsp:nvSpPr>
-        <dsp:cNvPr id="0" name=""/>
-        <dsp:cNvSpPr/>
-      </dsp:nvSpPr>
-      <dsp:spPr>
-        <a:xfrm>
-          <a:off x="7353314" y="2472493"/>
-          <a:ext cx="2933594" cy="916748"/>
-        </a:xfrm>
-        <a:prstGeom prst="rect">
-          <a:avLst/>
-        </a:prstGeom>
-        <a:solidFill>
-          <a:schemeClr val="lt1">
-            <a:alpha val="40000"/>
-            <a:hueOff val="0"/>
-            <a:satOff val="0"/>
-            <a:lumOff val="0"/>
-            <a:alphaOff val="0"/>
-          </a:schemeClr>
-        </a:solidFill>
-        <a:ln w="9525" cap="flat" cmpd="sng" algn="ctr">
-          <a:solidFill>
-            <a:schemeClr val="accent1">
-              <a:hueOff val="0"/>
-              <a:satOff val="0"/>
-              <a:lumOff val="0"/>
-              <a:alphaOff val="0"/>
-            </a:schemeClr>
-          </a:solidFill>
-          <a:prstDash val="solid"/>
-        </a:ln>
-        <a:effectLst/>
-      </dsp:spPr>
-      <dsp:style>
-        <a:lnRef idx="1">
-          <a:scrgbClr r="0" g="0" b="0"/>
-        </a:lnRef>
-        <a:fillRef idx="1">
-          <a:scrgbClr r="0" g="0" b="0"/>
-        </a:fillRef>
-        <a:effectRef idx="0">
-          <a:scrgbClr r="0" g="0" b="0"/>
-        </a:effectRef>
-        <a:fontRef idx="minor"/>
-      </dsp:style>
-      <dsp:txBody>
-        <a:bodyPr spcFirstLastPara="0" vert="horz" wrap="square" lIns="620944" tIns="99060" rIns="99060" bIns="99060" numCol="1" spcCol="1270" anchor="ctr" anchorCtr="0">
-          <a:noAutofit/>
-        </a:bodyPr>
-        <a:lstStyle/>
-        <a:p>
-          <a:pPr lvl="0" algn="ctr" defTabSz="1155700">
-            <a:lnSpc>
-              <a:spcPct val="90000"/>
-            </a:lnSpc>
-            <a:spcBef>
-              <a:spcPct val="0"/>
-            </a:spcBef>
-            <a:spcAft>
-              <a:spcPct val="35000"/>
-            </a:spcAft>
-          </a:pPr>
-          <a:r>
-            <a:rPr lang="es-US" sz="2600" kern="1200" dirty="0" smtClean="0">
-              <a:hlinkClick xmlns:r="http://schemas.openxmlformats.org/officeDocument/2006/relationships" r:id="" action="ppaction://hlinksldjump"/>
-            </a:rPr>
-            <a:t>Diagrama de despliegue</a:t>
-          </a:r>
-          <a:endParaRPr lang="es-US" sz="2600" kern="1200" dirty="0"/>
-        </a:p>
-      </dsp:txBody>
-      <dsp:txXfrm>
-        <a:off x="7353314" y="2472493"/>
-        <a:ext cx="2933594" cy="916748"/>
-      </dsp:txXfrm>
-    </dsp:sp>
-    <dsp:sp modelId="{22E53B1A-6F79-4FC7-9CC9-B1C25B0F468A}">
-      <dsp:nvSpPr>
-        <dsp:cNvPr id="0" name=""/>
-        <dsp:cNvSpPr/>
-      </dsp:nvSpPr>
-      <dsp:spPr>
-        <a:xfrm>
-          <a:off x="7231080" y="2340073"/>
-          <a:ext cx="641723" cy="962585"/>
-        </a:xfrm>
-        <a:prstGeom prst="rect">
-          <a:avLst/>
-        </a:prstGeom>
-        <a:blipFill>
-          <a:blip xmlns:r="http://schemas.openxmlformats.org/officeDocument/2006/relationships" r:embed="rId9">
-            <a:extLst>
-              <a:ext uri="{28A0092B-C50C-407E-A947-70E740481C1C}">
-                <a14:useLocalDpi xmlns:a14="http://schemas.microsoft.com/office/drawing/2010/main" val="0"/>
-              </a:ext>
-            </a:extLst>
-          </a:blip>
-          <a:srcRect/>
-          <a:stretch>
-            <a:fillRect l="-25000" r="-25000"/>
-          </a:stretch>
-        </a:blipFill>
-        <a:ln w="12700" cap="flat" cmpd="sng" algn="ctr">
-          <a:solidFill>
-            <a:schemeClr val="lt1">
-              <a:hueOff val="0"/>
-              <a:satOff val="0"/>
-              <a:lumOff val="0"/>
-              <a:alphaOff val="0"/>
-            </a:schemeClr>
-          </a:solidFill>
-          <a:prstDash val="solid"/>
-        </a:ln>
-        <a:effectLst/>
-      </dsp:spPr>
-      <dsp:style>
-        <a:lnRef idx="2">
-          <a:scrgbClr r="0" g="0" b="0"/>
-        </a:lnRef>
-        <a:fillRef idx="1">
-          <a:scrgbClr r="0" g="0" b="0"/>
-        </a:fillRef>
-        <a:effectRef idx="0">
-          <a:scrgbClr r="0" g="0" b="0"/>
-        </a:effectRef>
-        <a:fontRef idx="minor"/>
-      </dsp:style>
-    </dsp:sp>
-    <dsp:sp modelId="{62ECA75E-F1EC-46FC-B08C-2880A6B76453}">
-      <dsp:nvSpPr>
-        <dsp:cNvPr id="0" name=""/>
-        <dsp:cNvSpPr/>
-      </dsp:nvSpPr>
-      <dsp:spPr>
-        <a:xfrm>
-          <a:off x="2581580" y="3626577"/>
-          <a:ext cx="2933594" cy="916748"/>
-        </a:xfrm>
-        <a:prstGeom prst="rect">
-          <a:avLst/>
-        </a:prstGeom>
-        <a:solidFill>
-          <a:schemeClr val="lt1">
-            <a:alpha val="40000"/>
-            <a:hueOff val="0"/>
-            <a:satOff val="0"/>
-            <a:lumOff val="0"/>
-            <a:alphaOff val="0"/>
-          </a:schemeClr>
-        </a:solidFill>
-        <a:ln w="9525" cap="flat" cmpd="sng" algn="ctr">
-          <a:solidFill>
-            <a:schemeClr val="accent1">
-              <a:hueOff val="0"/>
-              <a:satOff val="0"/>
-              <a:lumOff val="0"/>
-              <a:alphaOff val="0"/>
-            </a:schemeClr>
-          </a:solidFill>
-          <a:prstDash val="solid"/>
-        </a:ln>
-        <a:effectLst/>
-      </dsp:spPr>
-      <dsp:style>
-        <a:lnRef idx="1">
-          <a:scrgbClr r="0" g="0" b="0"/>
-        </a:lnRef>
-        <a:fillRef idx="1">
-          <a:scrgbClr r="0" g="0" b="0"/>
-        </a:fillRef>
-        <a:effectRef idx="0">
-          <a:scrgbClr r="0" g="0" b="0"/>
-        </a:effectRef>
-        <a:fontRef idx="minor"/>
-      </dsp:style>
-      <dsp:txBody>
-        <a:bodyPr spcFirstLastPara="0" vert="horz" wrap="square" lIns="620944" tIns="99060" rIns="99060" bIns="99060" numCol="1" spcCol="1270" anchor="ctr" anchorCtr="0">
-          <a:noAutofit/>
-        </a:bodyPr>
-        <a:lstStyle/>
-        <a:p>
-          <a:pPr lvl="0" algn="ctr" defTabSz="1155700">
-            <a:lnSpc>
-              <a:spcPct val="90000"/>
-            </a:lnSpc>
-            <a:spcBef>
-              <a:spcPct val="0"/>
-            </a:spcBef>
-            <a:spcAft>
-              <a:spcPct val="35000"/>
-            </a:spcAft>
-          </a:pPr>
-          <a:r>
-            <a:rPr lang="es-US" sz="2600" kern="1200" dirty="0" smtClean="0">
-              <a:hlinkClick xmlns:r="http://schemas.openxmlformats.org/officeDocument/2006/relationships" r:id="" action="ppaction://hlinksldjump"/>
-            </a:rPr>
-            <a:t>Diagrama de componentes</a:t>
-          </a:r>
-          <a:endParaRPr lang="es-US" sz="2600" kern="1200" dirty="0"/>
-        </a:p>
-      </dsp:txBody>
-      <dsp:txXfrm>
-        <a:off x="2581580" y="3626577"/>
-        <a:ext cx="2933594" cy="916748"/>
-      </dsp:txXfrm>
-    </dsp:sp>
-    <dsp:sp modelId="{3C0CB77B-6B07-4564-AD3F-A66997E7059D}">
-      <dsp:nvSpPr>
-        <dsp:cNvPr id="0" name=""/>
-        <dsp:cNvSpPr/>
-      </dsp:nvSpPr>
-      <dsp:spPr>
-        <a:xfrm>
-          <a:off x="2459347" y="3494158"/>
-          <a:ext cx="641723" cy="962585"/>
-        </a:xfrm>
-        <a:prstGeom prst="rect">
-          <a:avLst/>
-        </a:prstGeom>
-        <a:blipFill>
-          <a:blip xmlns:r="http://schemas.openxmlformats.org/officeDocument/2006/relationships" r:embed="rId10">
-            <a:extLst>
-              <a:ext uri="{28A0092B-C50C-407E-A947-70E740481C1C}">
-                <a14:useLocalDpi xmlns:a14="http://schemas.microsoft.com/office/drawing/2010/main" val="0"/>
-              </a:ext>
-            </a:extLst>
-          </a:blip>
-          <a:srcRect/>
-          <a:stretch>
-            <a:fillRect l="-25000" r="-25000"/>
-          </a:stretch>
-        </a:blipFill>
-        <a:ln w="12700" cap="flat" cmpd="sng" algn="ctr">
-          <a:solidFill>
-            <a:schemeClr val="lt1">
-              <a:hueOff val="0"/>
-              <a:satOff val="0"/>
-              <a:lumOff val="0"/>
-              <a:alphaOff val="0"/>
-            </a:schemeClr>
-          </a:solidFill>
-          <a:prstDash val="solid"/>
-        </a:ln>
-        <a:effectLst/>
-      </dsp:spPr>
-      <dsp:style>
-        <a:lnRef idx="2">
-          <a:scrgbClr r="0" g="0" b="0"/>
-        </a:lnRef>
-        <a:fillRef idx="1">
-          <a:scrgbClr r="0" g="0" b="0"/>
-        </a:fillRef>
-        <a:effectRef idx="0">
-          <a:scrgbClr r="0" g="0" b="0"/>
-        </a:effectRef>
-        <a:fontRef idx="minor"/>
-      </dsp:style>
-    </dsp:sp>
-    <dsp:sp modelId="{5A4DFD7C-5A41-4776-AE94-B05811EBD0AB}">
-      <dsp:nvSpPr>
-        <dsp:cNvPr id="0" name=""/>
-        <dsp:cNvSpPr/>
-      </dsp:nvSpPr>
-      <dsp:spPr>
-        <a:xfrm>
-          <a:off x="5762736" y="3626577"/>
-          <a:ext cx="2933594" cy="916748"/>
-        </a:xfrm>
-        <a:prstGeom prst="rect">
-          <a:avLst/>
-        </a:prstGeom>
-        <a:solidFill>
-          <a:schemeClr val="lt1">
-            <a:alpha val="40000"/>
-            <a:hueOff val="0"/>
-            <a:satOff val="0"/>
-            <a:lumOff val="0"/>
-            <a:alphaOff val="0"/>
-          </a:schemeClr>
-        </a:solidFill>
-        <a:ln w="9525" cap="flat" cmpd="sng" algn="ctr">
-          <a:solidFill>
-            <a:schemeClr val="accent1">
-              <a:hueOff val="0"/>
-              <a:satOff val="0"/>
-              <a:lumOff val="0"/>
-              <a:alphaOff val="0"/>
-            </a:schemeClr>
-          </a:solidFill>
-          <a:prstDash val="solid"/>
-        </a:ln>
-        <a:effectLst/>
-      </dsp:spPr>
-      <dsp:style>
-        <a:lnRef idx="1">
-          <a:scrgbClr r="0" g="0" b="0"/>
-        </a:lnRef>
-        <a:fillRef idx="1">
-          <a:scrgbClr r="0" g="0" b="0"/>
-        </a:fillRef>
-        <a:effectRef idx="0">
-          <a:scrgbClr r="0" g="0" b="0"/>
-        </a:effectRef>
-        <a:fontRef idx="minor"/>
-      </dsp:style>
-      <dsp:txBody>
-        <a:bodyPr spcFirstLastPara="0" vert="horz" wrap="square" lIns="620944" tIns="99060" rIns="99060" bIns="99060" numCol="1" spcCol="1270" anchor="ctr" anchorCtr="0">
-          <a:noAutofit/>
-        </a:bodyPr>
-        <a:lstStyle/>
-        <a:p>
-          <a:pPr lvl="0" algn="ctr" defTabSz="1155700">
-            <a:lnSpc>
-              <a:spcPct val="90000"/>
-            </a:lnSpc>
-            <a:spcBef>
-              <a:spcPct val="0"/>
-            </a:spcBef>
-            <a:spcAft>
-              <a:spcPct val="35000"/>
-            </a:spcAft>
-          </a:pPr>
-          <a:r>
-            <a:rPr lang="es-US" sz="2600" kern="1200" dirty="0" smtClean="0">
-              <a:hlinkClick xmlns:r="http://schemas.openxmlformats.org/officeDocument/2006/relationships" r:id="" action="ppaction://hlinksldjump"/>
-            </a:rPr>
-            <a:t>Control y auditorías</a:t>
-          </a:r>
-          <a:endParaRPr lang="es-US" sz="2600" kern="1200" dirty="0"/>
-        </a:p>
-      </dsp:txBody>
-      <dsp:txXfrm>
-        <a:off x="5762736" y="3626577"/>
-        <a:ext cx="2933594" cy="916748"/>
-      </dsp:txXfrm>
-    </dsp:sp>
-    <dsp:sp modelId="{8E0021EA-B364-40E1-87B0-3F4D280A220E}">
-      <dsp:nvSpPr>
-        <dsp:cNvPr id="0" name=""/>
-        <dsp:cNvSpPr/>
-      </dsp:nvSpPr>
-      <dsp:spPr>
-        <a:xfrm>
-          <a:off x="5640503" y="3494158"/>
-          <a:ext cx="641723" cy="962585"/>
-        </a:xfrm>
-        <a:prstGeom prst="rect">
-          <a:avLst/>
-        </a:prstGeom>
-        <a:blipFill>
-          <a:blip xmlns:r="http://schemas.openxmlformats.org/officeDocument/2006/relationships" r:embed="rId11">
-            <a:extLst>
-              <a:ext uri="{28A0092B-C50C-407E-A947-70E740481C1C}">
-                <a14:useLocalDpi xmlns:a14="http://schemas.microsoft.com/office/drawing/2010/main" val="0"/>
-              </a:ext>
-            </a:extLst>
-          </a:blip>
-          <a:srcRect/>
-          <a:stretch>
-            <a:fillRect l="-25000" r="-25000"/>
-          </a:stretch>
-        </a:blipFill>
-        <a:ln w="12700" cap="flat" cmpd="sng" algn="ctr">
-          <a:solidFill>
-            <a:schemeClr val="lt1">
-              <a:hueOff val="0"/>
-              <a:satOff val="0"/>
-              <a:lumOff val="0"/>
-              <a:alphaOff val="0"/>
-            </a:schemeClr>
-          </a:solidFill>
-          <a:prstDash val="solid"/>
-        </a:ln>
-        <a:effectLst/>
-      </dsp:spPr>
-      <dsp:style>
-        <a:lnRef idx="2">
-          <a:scrgbClr r="0" g="0" b="0"/>
-        </a:lnRef>
-        <a:fillRef idx="1">
-          <a:scrgbClr r="0" g="0" b="0"/>
-        </a:fillRef>
-        <a:effectRef idx="0">
-          <a:scrgbClr r="0" g="0" b="0"/>
-        </a:effectRef>
-        <a:fontRef idx="minor"/>
-      </dsp:style>
-    </dsp:sp>
   </dsp:spTree>
 </dsp:drawing>
 </file>
@@ -4744,7 +3394,7 @@
             <a:fld id="{B61BEF0D-F0BB-DE4B-95CE-6DB70DBA9567}" type="datetimeFigureOut">
               <a:rPr lang="en-US" smtClean="0"/>
               <a:pPr/>
-              <a:t>11/5/2020</a:t>
+              <a:t>11/11/2020</a:t>
             </a:fld>
             <a:endParaRPr lang="en-US" dirty="0"/>
           </a:p>
@@ -5160,7 +3810,7 @@
             <a:fld id="{B61BEF0D-F0BB-DE4B-95CE-6DB70DBA9567}" type="datetimeFigureOut">
               <a:rPr lang="en-US" smtClean="0"/>
               <a:pPr/>
-              <a:t>11/5/2020</a:t>
+              <a:t>11/11/2020</a:t>
             </a:fld>
             <a:endParaRPr lang="en-US" dirty="0"/>
           </a:p>
@@ -5498,7 +4148,7 @@
             <a:fld id="{B61BEF0D-F0BB-DE4B-95CE-6DB70DBA9567}" type="datetimeFigureOut">
               <a:rPr lang="en-US" smtClean="0"/>
               <a:pPr/>
-              <a:t>11/5/2020</a:t>
+              <a:t>11/11/2020</a:t>
             </a:fld>
             <a:endParaRPr lang="en-US" dirty="0"/>
           </a:p>
@@ -5905,7 +4555,7 @@
             <a:fld id="{B61BEF0D-F0BB-DE4B-95CE-6DB70DBA9567}" type="datetimeFigureOut">
               <a:rPr lang="en-US" smtClean="0"/>
               <a:pPr/>
-              <a:t>11/5/2020</a:t>
+              <a:t>11/11/2020</a:t>
             </a:fld>
             <a:endParaRPr lang="en-US" dirty="0"/>
           </a:p>
@@ -6475,7 +5125,7 @@
             <a:fld id="{B61BEF0D-F0BB-DE4B-95CE-6DB70DBA9567}" type="datetimeFigureOut">
               <a:rPr lang="en-US" smtClean="0"/>
               <a:pPr/>
-              <a:t>11/5/2020</a:t>
+              <a:t>11/11/2020</a:t>
             </a:fld>
             <a:endParaRPr lang="en-US" dirty="0"/>
           </a:p>
@@ -7158,7 +5808,7 @@
             <a:fld id="{B61BEF0D-F0BB-DE4B-95CE-6DB70DBA9567}" type="datetimeFigureOut">
               <a:rPr lang="en-US" smtClean="0"/>
               <a:pPr/>
-              <a:t>11/5/2020</a:t>
+              <a:t>11/11/2020</a:t>
             </a:fld>
             <a:endParaRPr lang="en-US" dirty="0"/>
           </a:p>
@@ -8073,7 +6723,7 @@
             <a:fld id="{B61BEF0D-F0BB-DE4B-95CE-6DB70DBA9567}" type="datetimeFigureOut">
               <a:rPr lang="en-US" smtClean="0"/>
               <a:pPr/>
-              <a:t>11/5/2020</a:t>
+              <a:t>11/11/2020</a:t>
             </a:fld>
             <a:endParaRPr lang="en-US" dirty="0"/>
           </a:p>
@@ -8388,7 +7038,7 @@
             <a:fld id="{B61BEF0D-F0BB-DE4B-95CE-6DB70DBA9567}" type="datetimeFigureOut">
               <a:rPr lang="en-US" smtClean="0"/>
               <a:pPr/>
-              <a:t>11/5/2020</a:t>
+              <a:t>11/11/2020</a:t>
             </a:fld>
             <a:endParaRPr lang="en-US" dirty="0"/>
           </a:p>
@@ -8654,7 +7304,7 @@
             <a:fld id="{B61BEF0D-F0BB-DE4B-95CE-6DB70DBA9567}" type="datetimeFigureOut">
               <a:rPr lang="en-US" smtClean="0"/>
               <a:pPr/>
-              <a:t>11/5/2020</a:t>
+              <a:t>11/11/2020</a:t>
             </a:fld>
             <a:endParaRPr lang="en-US" dirty="0"/>
           </a:p>
@@ -8979,7 +7629,7 @@
             <a:fld id="{B61BEF0D-F0BB-DE4B-95CE-6DB70DBA9567}" type="datetimeFigureOut">
               <a:rPr lang="en-US" smtClean="0"/>
               <a:pPr/>
-              <a:t>11/5/2020</a:t>
+              <a:t>11/11/2020</a:t>
             </a:fld>
             <a:endParaRPr lang="en-US" dirty="0"/>
           </a:p>
@@ -9370,7 +8020,7 @@
             <a:fld id="{B61BEF0D-F0BB-DE4B-95CE-6DB70DBA9567}" type="datetimeFigureOut">
               <a:rPr lang="en-US" smtClean="0"/>
               <a:pPr/>
-              <a:t>11/5/2020</a:t>
+              <a:t>11/11/2020</a:t>
             </a:fld>
             <a:endParaRPr lang="en-US" dirty="0"/>
           </a:p>
@@ -9748,7 +8398,7 @@
             <a:fld id="{B61BEF0D-F0BB-DE4B-95CE-6DB70DBA9567}" type="datetimeFigureOut">
               <a:rPr lang="en-US" smtClean="0"/>
               <a:pPr/>
-              <a:t>11/5/2020</a:t>
+              <a:t>11/11/2020</a:t>
             </a:fld>
             <a:endParaRPr lang="en-US" dirty="0"/>
           </a:p>
@@ -10256,7 +8906,7 @@
             <a:fld id="{B61BEF0D-F0BB-DE4B-95CE-6DB70DBA9567}" type="datetimeFigureOut">
               <a:rPr lang="en-US" smtClean="0"/>
               <a:pPr/>
-              <a:t>11/5/2020</a:t>
+              <a:t>11/11/2020</a:t>
             </a:fld>
             <a:endParaRPr lang="en-US" dirty="0"/>
           </a:p>
@@ -10515,7 +9165,7 @@
             <a:fld id="{B61BEF0D-F0BB-DE4B-95CE-6DB70DBA9567}" type="datetimeFigureOut">
               <a:rPr lang="en-US" smtClean="0"/>
               <a:pPr/>
-              <a:t>11/5/2020</a:t>
+              <a:t>11/11/2020</a:t>
             </a:fld>
             <a:endParaRPr lang="en-US" dirty="0"/>
           </a:p>
@@ -10680,7 +9330,7 @@
             <a:fld id="{B61BEF0D-F0BB-DE4B-95CE-6DB70DBA9567}" type="datetimeFigureOut">
               <a:rPr lang="en-US" smtClean="0"/>
               <a:pPr/>
-              <a:t>11/5/2020</a:t>
+              <a:t>11/11/2020</a:t>
             </a:fld>
             <a:endParaRPr lang="en-US" dirty="0"/>
           </a:p>
@@ -11072,7 +9722,7 @@
             <a:fld id="{B61BEF0D-F0BB-DE4B-95CE-6DB70DBA9567}" type="datetimeFigureOut">
               <a:rPr lang="en-US" smtClean="0"/>
               <a:pPr/>
-              <a:t>11/5/2020</a:t>
+              <a:t>11/11/2020</a:t>
             </a:fld>
             <a:endParaRPr lang="en-US" dirty="0"/>
           </a:p>
@@ -11483,7 +10133,7 @@
             <a:fld id="{B61BEF0D-F0BB-DE4B-95CE-6DB70DBA9567}" type="datetimeFigureOut">
               <a:rPr lang="en-US" smtClean="0"/>
               <a:pPr/>
-              <a:t>11/5/2020</a:t>
+              <a:t>11/11/2020</a:t>
             </a:fld>
             <a:endParaRPr lang="en-US" dirty="0"/>
           </a:p>
@@ -11729,7 +10379,7 @@
             <a:fld id="{B61BEF0D-F0BB-DE4B-95CE-6DB70DBA9567}" type="datetimeFigureOut">
               <a:rPr lang="en-US" smtClean="0"/>
               <a:pPr/>
-              <a:t>11/5/2020</a:t>
+              <a:t>11/11/2020</a:t>
             </a:fld>
             <a:endParaRPr lang="en-US" dirty="0"/>
           </a:p>
@@ -12182,7 +10832,19 @@
           <a:p>
             <a:r>
               <a:rPr lang="es-US" dirty="0" smtClean="0"/>
-              <a:t>Sistema De información multi osorio</a:t>
+              <a:t>Sistema De información </a:t>
+            </a:r>
+            <a:r>
+              <a:rPr lang="es-US" dirty="0" smtClean="0"/>
+              <a:t>Multi </a:t>
+            </a:r>
+            <a:r>
+              <a:rPr lang="es-US" dirty="0"/>
+              <a:t>O</a:t>
+            </a:r>
+            <a:r>
+              <a:rPr lang="es-US" dirty="0" smtClean="0"/>
+              <a:t>sorio</a:t>
             </a:r>
             <a:endParaRPr lang="es-US" dirty="0"/>
           </a:p>
@@ -12303,7 +10965,7 @@
             <a:pPr algn="ctr"/>
             <a:r>
               <a:rPr lang="es-US" dirty="0" smtClean="0"/>
-              <a:t>Modelo de datos</a:t>
+              <a:t>Interfaces con otros sistemas</a:t>
             </a:r>
             <a:endParaRPr lang="es-US" dirty="0"/>
           </a:p>
@@ -12379,19 +11041,156 @@
             <p:ph idx="1"/>
           </p:nvPr>
         </p:nvSpPr>
-        <p:spPr/>
+        <p:spPr>
+          <a:xfrm>
+            <a:off x="680321" y="2336872"/>
+            <a:ext cx="9613861" cy="4419527"/>
+          </a:xfrm>
+        </p:spPr>
         <p:txBody>
           <a:bodyPr/>
           <a:lstStyle/>
           <a:p>
+            <a:pPr algn="just"/>
+            <a:r>
+              <a:rPr lang="es-US" dirty="0" smtClean="0"/>
+              <a:t>SISO es un sistema implementado en su totalidad con peticiones JSON por lo cual sus URL pueden ser llamadas en cualquier lenguaje de programación y obtener la respuesta ejemplo:</a:t>
+            </a:r>
+          </a:p>
+          <a:p>
+            <a:pPr algn="just"/>
+            <a:r>
+              <a:rPr lang="es-US" dirty="0">
+                <a:hlinkClick r:id="rId4"/>
+              </a:rPr>
+              <a:t>http://</a:t>
+            </a:r>
+            <a:r>
+              <a:rPr lang="es-US" dirty="0" smtClean="0">
+                <a:hlinkClick r:id="rId4"/>
+              </a:rPr>
+              <a:t>localhost/Proyectos/SISO/Roles/getRoles</a:t>
+            </a:r>
+            <a:endParaRPr lang="es-US" dirty="0" smtClean="0"/>
+          </a:p>
+          <a:p>
+            <a:pPr algn="just"/>
+            <a:r>
+              <a:rPr lang="es-US" dirty="0" smtClean="0"/>
+              <a:t>Trae una lista de roles de la base de datos.</a:t>
+            </a:r>
+          </a:p>
+          <a:p>
+            <a:pPr algn="just"/>
+            <a:r>
+              <a:rPr lang="es-US" dirty="0" smtClean="0"/>
+              <a:t>Con hacer el llamado de esta URI se puede llenar una tabla para Roles.</a:t>
+            </a:r>
+          </a:p>
+          <a:p>
+            <a:pPr algn="just"/>
+            <a:endParaRPr lang="es-US" dirty="0" smtClean="0"/>
+          </a:p>
+          <a:p>
+            <a:pPr algn="just"/>
             <a:endParaRPr lang="es-US" dirty="0"/>
           </a:p>
         </p:txBody>
       </p:sp>
+      <p:pic>
+        <p:nvPicPr>
+          <p:cNvPr id="3" name="Imagen 2"/>
+          <p:cNvPicPr>
+            <a:picLocks noChangeAspect="1"/>
+          </p:cNvPicPr>
+          <p:nvPr/>
+        </p:nvPicPr>
+        <p:blipFill>
+          <a:blip r:embed="rId5">
+            <a:extLst>
+              <a:ext uri="{28A0092B-C50C-407E-A947-70E740481C1C}">
+                <a14:useLocalDpi xmlns:a14="http://schemas.microsoft.com/office/drawing/2010/main" val="0"/>
+              </a:ext>
+            </a:extLst>
+          </a:blip>
+          <a:stretch>
+            <a:fillRect/>
+          </a:stretch>
+        </p:blipFill>
+        <p:spPr>
+          <a:xfrm>
+            <a:off x="2065337" y="5016499"/>
+            <a:ext cx="2143125" cy="1612901"/>
+          </a:xfrm>
+          <a:prstGeom prst="rect">
+            <a:avLst/>
+          </a:prstGeom>
+        </p:spPr>
+      </p:pic>
+      <p:pic>
+        <p:nvPicPr>
+          <p:cNvPr id="4" name="Imagen 3"/>
+          <p:cNvPicPr>
+            <a:picLocks noChangeAspect="1"/>
+          </p:cNvPicPr>
+          <p:nvPr/>
+        </p:nvPicPr>
+        <p:blipFill>
+          <a:blip r:embed="rId6">
+            <a:extLst>
+              <a:ext uri="{28A0092B-C50C-407E-A947-70E740481C1C}">
+                <a14:useLocalDpi xmlns:a14="http://schemas.microsoft.com/office/drawing/2010/main" val="0"/>
+              </a:ext>
+            </a:extLst>
+          </a:blip>
+          <a:stretch>
+            <a:fillRect/>
+          </a:stretch>
+        </p:blipFill>
+        <p:spPr>
+          <a:xfrm>
+            <a:off x="4231403" y="5016499"/>
+            <a:ext cx="2724150" cy="1612901"/>
+          </a:xfrm>
+          <a:prstGeom prst="rect">
+            <a:avLst/>
+          </a:prstGeom>
+        </p:spPr>
+      </p:pic>
+      <p:pic>
+        <p:nvPicPr>
+          <p:cNvPr id="5" name="Imagen 4"/>
+          <p:cNvPicPr>
+            <a:picLocks noChangeAspect="1"/>
+          </p:cNvPicPr>
+          <p:nvPr/>
+        </p:nvPicPr>
+        <p:blipFill>
+          <a:blip r:embed="rId7">
+            <a:extLst>
+              <a:ext uri="{28A0092B-C50C-407E-A947-70E740481C1C}">
+                <a14:useLocalDpi xmlns:a14="http://schemas.microsoft.com/office/drawing/2010/main" val="0"/>
+              </a:ext>
+            </a:extLst>
+          </a:blip>
+          <a:stretch>
+            <a:fillRect/>
+          </a:stretch>
+        </p:blipFill>
+        <p:spPr>
+          <a:xfrm>
+            <a:off x="6978494" y="5016498"/>
+            <a:ext cx="2076450" cy="1612901"/>
+          </a:xfrm>
+          <a:prstGeom prst="rect">
+            <a:avLst/>
+          </a:prstGeom>
+        </p:spPr>
+      </p:pic>
     </p:spTree>
     <p:extLst>
       <p:ext uri="{BB962C8B-B14F-4D97-AF65-F5344CB8AC3E}">
-        <p14:creationId xmlns:p14="http://schemas.microsoft.com/office/powerpoint/2010/main" val="3168243278"/>
+        <p14:creationId xmlns:p14="http://schemas.microsoft.com/office/powerpoint/2010/main" val="2996595858"/>
       </p:ext>
     </p:extLst>
   </p:cSld>
@@ -12443,7 +11242,7 @@
             <a:pPr algn="ctr"/>
             <a:r>
               <a:rPr lang="es-US" dirty="0" smtClean="0"/>
-              <a:t>Diagrama de servicios</a:t>
+              <a:t>Modelo de datos</a:t>
             </a:r>
             <a:endParaRPr lang="es-US" dirty="0"/>
           </a:p>
@@ -12531,7 +11330,7 @@
     </p:spTree>
     <p:extLst>
       <p:ext uri="{BB962C8B-B14F-4D97-AF65-F5344CB8AC3E}">
-        <p14:creationId xmlns:p14="http://schemas.microsoft.com/office/powerpoint/2010/main" val="4011604215"/>
+        <p14:creationId xmlns:p14="http://schemas.microsoft.com/office/powerpoint/2010/main" val="3168243278"/>
       </p:ext>
     </p:extLst>
   </p:cSld>
@@ -12583,7 +11382,7 @@
             <a:pPr algn="ctr"/>
             <a:r>
               <a:rPr lang="es-US" dirty="0" smtClean="0"/>
-              <a:t>Modelo de persistencia</a:t>
+              <a:t>Diagrama de servicios</a:t>
             </a:r>
             <a:endParaRPr lang="es-US" dirty="0"/>
           </a:p>
@@ -12671,7 +11470,7 @@
     </p:spTree>
     <p:extLst>
       <p:ext uri="{BB962C8B-B14F-4D97-AF65-F5344CB8AC3E}">
-        <p14:creationId xmlns:p14="http://schemas.microsoft.com/office/powerpoint/2010/main" val="1691044006"/>
+        <p14:creationId xmlns:p14="http://schemas.microsoft.com/office/powerpoint/2010/main" val="4011604215"/>
       </p:ext>
     </p:extLst>
   </p:cSld>
@@ -12723,7 +11522,7 @@
             <a:pPr algn="ctr"/>
             <a:r>
               <a:rPr lang="es-US" dirty="0" smtClean="0"/>
-              <a:t>Reglas de negocio</a:t>
+              <a:t>Modelo de persistencia</a:t>
             </a:r>
             <a:endParaRPr lang="es-US" dirty="0"/>
           </a:p>
@@ -12811,7 +11610,7 @@
     </p:spTree>
     <p:extLst>
       <p:ext uri="{BB962C8B-B14F-4D97-AF65-F5344CB8AC3E}">
-        <p14:creationId xmlns:p14="http://schemas.microsoft.com/office/powerpoint/2010/main" val="1978558696"/>
+        <p14:creationId xmlns:p14="http://schemas.microsoft.com/office/powerpoint/2010/main" val="1691044006"/>
       </p:ext>
     </p:extLst>
   </p:cSld>
@@ -12863,7 +11662,7 @@
             <a:pPr algn="ctr"/>
             <a:r>
               <a:rPr lang="es-US" dirty="0" smtClean="0"/>
-              <a:t>Scripts de instalación</a:t>
+              <a:t>Reglas de negocio</a:t>
             </a:r>
             <a:endParaRPr lang="es-US" dirty="0"/>
           </a:p>
@@ -12951,7 +11750,7 @@
     </p:spTree>
     <p:extLst>
       <p:ext uri="{BB962C8B-B14F-4D97-AF65-F5344CB8AC3E}">
-        <p14:creationId xmlns:p14="http://schemas.microsoft.com/office/powerpoint/2010/main" val="4032981508"/>
+        <p14:creationId xmlns:p14="http://schemas.microsoft.com/office/powerpoint/2010/main" val="1978558696"/>
       </p:ext>
     </p:extLst>
   </p:cSld>
@@ -13003,7 +11802,7 @@
             <a:pPr algn="ctr"/>
             <a:r>
               <a:rPr lang="es-US" dirty="0" smtClean="0"/>
-              <a:t>Diagrama de despliegue</a:t>
+              <a:t>Scripts de instalación</a:t>
             </a:r>
             <a:endParaRPr lang="es-US" dirty="0"/>
           </a:p>
@@ -13091,7 +11890,7 @@
     </p:spTree>
     <p:extLst>
       <p:ext uri="{BB962C8B-B14F-4D97-AF65-F5344CB8AC3E}">
-        <p14:creationId xmlns:p14="http://schemas.microsoft.com/office/powerpoint/2010/main" val="596355784"/>
+        <p14:creationId xmlns:p14="http://schemas.microsoft.com/office/powerpoint/2010/main" val="4032981508"/>
       </p:ext>
     </p:extLst>
   </p:cSld>
@@ -13143,7 +11942,7 @@
             <a:pPr algn="ctr"/>
             <a:r>
               <a:rPr lang="es-US" dirty="0" smtClean="0"/>
-              <a:t>Diagrama de componentes</a:t>
+              <a:t>Diagrama de despliegue</a:t>
             </a:r>
             <a:endParaRPr lang="es-US" dirty="0"/>
           </a:p>
@@ -13231,6 +12030,146 @@
     </p:spTree>
     <p:extLst>
       <p:ext uri="{BB962C8B-B14F-4D97-AF65-F5344CB8AC3E}">
+        <p14:creationId xmlns:p14="http://schemas.microsoft.com/office/powerpoint/2010/main" val="596355784"/>
+      </p:ext>
+    </p:extLst>
+  </p:cSld>
+  <p:clrMapOvr>
+    <a:masterClrMapping/>
+  </p:clrMapOvr>
+  <p:timing>
+    <p:tnLst>
+      <p:par>
+        <p:cTn id="1" dur="indefinite" restart="never" nodeType="tmRoot"/>
+      </p:par>
+    </p:tnLst>
+  </p:timing>
+</p:sld>
+</file>
+
+<file path=ppt/slides/slide17.xml><?xml version="1.0" encoding="utf-8"?>
+<p:sld xmlns:a="http://schemas.openxmlformats.org/drawingml/2006/main" xmlns:r="http://schemas.openxmlformats.org/officeDocument/2006/relationships" xmlns:p="http://schemas.openxmlformats.org/presentationml/2006/main">
+  <p:cSld>
+    <p:spTree>
+      <p:nvGrpSpPr>
+        <p:cNvPr id="1" name=""/>
+        <p:cNvGrpSpPr/>
+        <p:nvPr/>
+      </p:nvGrpSpPr>
+      <p:grpSpPr>
+        <a:xfrm>
+          <a:off x="0" y="0"/>
+          <a:ext cx="0" cy="0"/>
+          <a:chOff x="0" y="0"/>
+          <a:chExt cx="0" cy="0"/>
+        </a:xfrm>
+      </p:grpSpPr>
+      <p:sp>
+        <p:nvSpPr>
+          <p:cNvPr id="2" name="Título 1"/>
+          <p:cNvSpPr>
+            <a:spLocks noGrp="1"/>
+          </p:cNvSpPr>
+          <p:nvPr>
+            <p:ph type="title"/>
+          </p:nvPr>
+        </p:nvSpPr>
+        <p:spPr/>
+        <p:txBody>
+          <a:bodyPr/>
+          <a:lstStyle/>
+          <a:p>
+            <a:pPr algn="ctr"/>
+            <a:r>
+              <a:rPr lang="es-US" dirty="0" smtClean="0"/>
+              <a:t>Diagrama de componentes</a:t>
+            </a:r>
+            <a:endParaRPr lang="es-US" dirty="0"/>
+          </a:p>
+        </p:txBody>
+      </p:sp>
+      <p:pic>
+        <p:nvPicPr>
+          <p:cNvPr id="14" name="Imagen 13"/>
+          <p:cNvPicPr>
+            <a:picLocks noChangeAspect="1"/>
+          </p:cNvPicPr>
+          <p:nvPr/>
+        </p:nvPicPr>
+        <p:blipFill>
+          <a:blip r:embed="rId2">
+            <a:extLst>
+              <a:ext uri="{28A0092B-C50C-407E-A947-70E740481C1C}">
+                <a14:useLocalDpi xmlns:a14="http://schemas.microsoft.com/office/drawing/2010/main" val="0"/>
+              </a:ext>
+            </a:extLst>
+          </a:blip>
+          <a:stretch>
+            <a:fillRect/>
+          </a:stretch>
+        </p:blipFill>
+        <p:spPr>
+          <a:xfrm>
+            <a:off x="10578662" y="614855"/>
+            <a:ext cx="1613338" cy="1371600"/>
+          </a:xfrm>
+          <a:prstGeom prst="rect">
+            <a:avLst/>
+          </a:prstGeom>
+        </p:spPr>
+      </p:pic>
+      <p:pic>
+        <p:nvPicPr>
+          <p:cNvPr id="15" name="Marcador de contenido 12"/>
+          <p:cNvPicPr>
+            <a:picLocks noChangeAspect="1"/>
+          </p:cNvPicPr>
+          <p:nvPr/>
+        </p:nvPicPr>
+        <p:blipFill>
+          <a:blip r:embed="rId3">
+            <a:extLst>
+              <a:ext uri="{28A0092B-C50C-407E-A947-70E740481C1C}">
+                <a14:useLocalDpi xmlns:a14="http://schemas.microsoft.com/office/drawing/2010/main" val="0"/>
+              </a:ext>
+            </a:extLst>
+          </a:blip>
+          <a:stretch>
+            <a:fillRect/>
+          </a:stretch>
+        </p:blipFill>
+        <p:spPr>
+          <a:xfrm>
+            <a:off x="0" y="614856"/>
+            <a:ext cx="1813034" cy="1371599"/>
+          </a:xfrm>
+          <a:prstGeom prst="rect">
+            <a:avLst/>
+          </a:prstGeom>
+        </p:spPr>
+      </p:pic>
+      <p:sp>
+        <p:nvSpPr>
+          <p:cNvPr id="16" name="Marcador de contenido 15"/>
+          <p:cNvSpPr>
+            <a:spLocks noGrp="1"/>
+          </p:cNvSpPr>
+          <p:nvPr>
+            <p:ph idx="1"/>
+          </p:nvPr>
+        </p:nvSpPr>
+        <p:spPr/>
+        <p:txBody>
+          <a:bodyPr/>
+          <a:lstStyle/>
+          <a:p>
+            <a:endParaRPr lang="es-US" dirty="0"/>
+          </a:p>
+        </p:txBody>
+      </p:sp>
+    </p:spTree>
+    <p:extLst>
+      <p:ext uri="{BB962C8B-B14F-4D97-AF65-F5344CB8AC3E}">
         <p14:creationId xmlns:p14="http://schemas.microsoft.com/office/powerpoint/2010/main" val="1028808362"/>
       </p:ext>
     </p:extLst>
@@ -13248,7 +12187,7 @@
 </p:sld>
 </file>
 
-<file path=ppt/slides/slide17.xml><?xml version="1.0" encoding="utf-8"?>
+<file path=ppt/slides/slide18.xml><?xml version="1.0" encoding="utf-8"?>
 <p:sld xmlns:a="http://schemas.openxmlformats.org/drawingml/2006/main" xmlns:r="http://schemas.openxmlformats.org/officeDocument/2006/relationships" xmlns:p="http://schemas.openxmlformats.org/presentationml/2006/main">
   <p:cSld>
     <p:spTree>
@@ -13482,7 +12421,15 @@
             <a:pPr algn="just"/>
             <a:r>
               <a:rPr lang="es-US" dirty="0" smtClean="0"/>
-              <a:t>Este documentó describe la forma de instalación y configuración de componentes a nivel de software y hardware para el buen funcionamiento de sistema de información multi osorio.</a:t>
+              <a:t>Este documentó describe la forma de instalación y configuración de componentes a nivel de software y hardware para el buen funcionamiento de sistema de información </a:t>
+            </a:r>
+            <a:r>
+              <a:rPr lang="es-US" dirty="0" err="1" smtClean="0"/>
+              <a:t>multi</a:t>
+            </a:r>
+            <a:r>
+              <a:rPr lang="es-US" dirty="0" smtClean="0"/>
+              <a:t> osorio.</a:t>
             </a:r>
             <a:endParaRPr lang="es-US" dirty="0"/>
           </a:p>
@@ -14001,12 +12948,20 @@
           </a:p>
           <a:p>
             <a:r>
+              <a:rPr lang="es-US" dirty="0" smtClean="0"/>
+              <a:t>Workbench </a:t>
+            </a:r>
+            <a:r>
               <a:rPr lang="es-US" dirty="0"/>
-              <a:t>Workbean versión </a:t>
+              <a:t>versión </a:t>
             </a:r>
             <a:r>
               <a:rPr lang="es-US" dirty="0" smtClean="0"/>
-              <a:t>8.0 CE</a:t>
+              <a:t>8.0 </a:t>
+            </a:r>
+            <a:r>
+              <a:rPr lang="es-US" dirty="0" smtClean="0"/>
+              <a:t>CE o superior.</a:t>
             </a:r>
             <a:endParaRPr lang="es-US" dirty="0"/>
           </a:p>
@@ -14511,6 +13466,195 @@
           <a:p>
             <a:pPr algn="ctr"/>
             <a:r>
+              <a:rPr lang="es-US" dirty="0"/>
+              <a:t>Frameworks y </a:t>
+            </a:r>
+            <a:r>
+              <a:rPr lang="es-US" u="sng" dirty="0"/>
+              <a:t>estándares</a:t>
+            </a:r>
+            <a:endParaRPr lang="es-US" dirty="0"/>
+          </a:p>
+        </p:txBody>
+      </p:sp>
+      <p:sp>
+        <p:nvSpPr>
+          <p:cNvPr id="3" name="Marcador de contenido 2"/>
+          <p:cNvSpPr>
+            <a:spLocks noGrp="1"/>
+          </p:cNvSpPr>
+          <p:nvPr>
+            <p:ph idx="1"/>
+          </p:nvPr>
+        </p:nvSpPr>
+        <p:spPr/>
+        <p:txBody>
+          <a:bodyPr/>
+          <a:lstStyle/>
+          <a:p>
+            <a:r>
+              <a:rPr lang="es-US" dirty="0" smtClean="0"/>
+              <a:t>Instalación Workbench </a:t>
+            </a:r>
+            <a:r>
+              <a:rPr lang="es-US" dirty="0"/>
+              <a:t>versión 8.0 </a:t>
+            </a:r>
+            <a:r>
+              <a:rPr lang="es-US" dirty="0" smtClean="0"/>
+              <a:t>CE o superior en Windows y </a:t>
+            </a:r>
+            <a:r>
+              <a:rPr lang="es-US" smtClean="0"/>
+              <a:t>lunux</a:t>
+            </a:r>
+            <a:endParaRPr lang="es-US" dirty="0" smtClean="0"/>
+          </a:p>
+          <a:p>
+            <a:r>
+              <a:rPr lang="es-US" dirty="0" smtClean="0"/>
+              <a:t>1. Ir al </a:t>
+            </a:r>
+            <a:r>
+              <a:rPr lang="es-US" dirty="0"/>
+              <a:t>sitio oficial : </a:t>
+            </a:r>
+            <a:r>
+              <a:rPr lang="es-US" dirty="0">
+                <a:hlinkClick r:id="rId2"/>
+              </a:rPr>
+              <a:t>https://dev.mysql.com/downloads/mysql</a:t>
+            </a:r>
+            <a:r>
+              <a:rPr lang="es-US" dirty="0" smtClean="0">
+                <a:hlinkClick r:id="rId2"/>
+              </a:rPr>
+              <a:t>/</a:t>
+            </a:r>
+            <a:endParaRPr lang="es-US" dirty="0" smtClean="0"/>
+          </a:p>
+          <a:p>
+            <a:r>
+              <a:rPr lang="es-US" dirty="0" smtClean="0"/>
+              <a:t>2. En el sitio seleccione el sistema operativo.</a:t>
+            </a:r>
+          </a:p>
+          <a:p>
+            <a:r>
+              <a:rPr lang="es-US" dirty="0" smtClean="0"/>
+              <a:t>3. Elija la versión </a:t>
+            </a:r>
+            <a:endParaRPr lang="es-US" dirty="0"/>
+          </a:p>
+        </p:txBody>
+      </p:sp>
+      <p:pic>
+        <p:nvPicPr>
+          <p:cNvPr id="4" name="Imagen 3"/>
+          <p:cNvPicPr>
+            <a:picLocks noChangeAspect="1"/>
+          </p:cNvPicPr>
+          <p:nvPr/>
+        </p:nvPicPr>
+        <p:blipFill>
+          <a:blip r:embed="rId3">
+            <a:extLst>
+              <a:ext uri="{28A0092B-C50C-407E-A947-70E740481C1C}">
+                <a14:useLocalDpi xmlns:a14="http://schemas.microsoft.com/office/drawing/2010/main" val="0"/>
+              </a:ext>
+            </a:extLst>
+          </a:blip>
+          <a:stretch>
+            <a:fillRect/>
+          </a:stretch>
+        </p:blipFill>
+        <p:spPr>
+          <a:xfrm>
+            <a:off x="10578662" y="614855"/>
+            <a:ext cx="1613338" cy="1371600"/>
+          </a:xfrm>
+          <a:prstGeom prst="rect">
+            <a:avLst/>
+          </a:prstGeom>
+        </p:spPr>
+      </p:pic>
+      <p:pic>
+        <p:nvPicPr>
+          <p:cNvPr id="5" name="Marcador de contenido 12"/>
+          <p:cNvPicPr>
+            <a:picLocks noChangeAspect="1"/>
+          </p:cNvPicPr>
+          <p:nvPr/>
+        </p:nvPicPr>
+        <p:blipFill>
+          <a:blip r:embed="rId4">
+            <a:extLst>
+              <a:ext uri="{28A0092B-C50C-407E-A947-70E740481C1C}">
+                <a14:useLocalDpi xmlns:a14="http://schemas.microsoft.com/office/drawing/2010/main" val="0"/>
+              </a:ext>
+            </a:extLst>
+          </a:blip>
+          <a:stretch>
+            <a:fillRect/>
+          </a:stretch>
+        </p:blipFill>
+        <p:spPr>
+          <a:xfrm>
+            <a:off x="0" y="614856"/>
+            <a:ext cx="1813034" cy="1371599"/>
+          </a:xfrm>
+          <a:prstGeom prst="rect">
+            <a:avLst/>
+          </a:prstGeom>
+        </p:spPr>
+      </p:pic>
+    </p:spTree>
+    <p:extLst>
+      <p:ext uri="{BB962C8B-B14F-4D97-AF65-F5344CB8AC3E}">
+        <p14:creationId xmlns:p14="http://schemas.microsoft.com/office/powerpoint/2010/main" val="1732055288"/>
+      </p:ext>
+    </p:extLst>
+  </p:cSld>
+  <p:clrMapOvr>
+    <a:masterClrMapping/>
+  </p:clrMapOvr>
+</p:sld>
+</file>
+
+<file path=ppt/slides/slide9.xml><?xml version="1.0" encoding="utf-8"?>
+<p:sld xmlns:a="http://schemas.openxmlformats.org/drawingml/2006/main" xmlns:r="http://schemas.openxmlformats.org/officeDocument/2006/relationships" xmlns:p="http://schemas.openxmlformats.org/presentationml/2006/main">
+  <p:cSld>
+    <p:spTree>
+      <p:nvGrpSpPr>
+        <p:cNvPr id="1" name=""/>
+        <p:cNvGrpSpPr/>
+        <p:nvPr/>
+      </p:nvGrpSpPr>
+      <p:grpSpPr>
+        <a:xfrm>
+          <a:off x="0" y="0"/>
+          <a:ext cx="0" cy="0"/>
+          <a:chOff x="0" y="0"/>
+          <a:chExt cx="0" cy="0"/>
+        </a:xfrm>
+      </p:grpSpPr>
+      <p:sp>
+        <p:nvSpPr>
+          <p:cNvPr id="2" name="Título 1"/>
+          <p:cNvSpPr>
+            <a:spLocks noGrp="1"/>
+          </p:cNvSpPr>
+          <p:nvPr>
+            <p:ph type="title"/>
+          </p:nvPr>
+        </p:nvSpPr>
+        <p:spPr/>
+        <p:txBody>
+          <a:bodyPr/>
+          <a:lstStyle/>
+          <a:p>
+            <a:pPr algn="ctr"/>
+            <a:r>
               <a:rPr lang="es-US" dirty="0" smtClean="0"/>
               <a:t>Controles y Auditoría</a:t>
             </a:r>
@@ -14595,7 +13739,18 @@
           <a:p>
             <a:r>
               <a:rPr lang="es-US" dirty="0" smtClean="0"/>
-              <a:t>SISO versión 1.0 </a:t>
+              <a:t>SISO versión </a:t>
+            </a:r>
+            <a:r>
+              <a:rPr lang="es-US" dirty="0" smtClean="0"/>
+              <a:t>1.0.</a:t>
+            </a:r>
+          </a:p>
+          <a:p>
+            <a:pPr algn="just"/>
+            <a:r>
+              <a:rPr lang="es-US" dirty="0" smtClean="0"/>
+              <a:t>Primera versión para el control y gestión de inventarios, ventas, productos, clientes, proveedores y log de operaciones.</a:t>
             </a:r>
             <a:endParaRPr lang="es-US" dirty="0"/>
           </a:p>
@@ -14605,146 +13760,6 @@
     <p:extLst>
       <p:ext uri="{BB962C8B-B14F-4D97-AF65-F5344CB8AC3E}">
         <p14:creationId xmlns:p14="http://schemas.microsoft.com/office/powerpoint/2010/main" val="1858392913"/>
-      </p:ext>
-    </p:extLst>
-  </p:cSld>
-  <p:clrMapOvr>
-    <a:masterClrMapping/>
-  </p:clrMapOvr>
-  <p:timing>
-    <p:tnLst>
-      <p:par>
-        <p:cTn id="1" dur="indefinite" restart="never" nodeType="tmRoot"/>
-      </p:par>
-    </p:tnLst>
-  </p:timing>
-</p:sld>
-</file>
-
-<file path=ppt/slides/slide9.xml><?xml version="1.0" encoding="utf-8"?>
-<p:sld xmlns:a="http://schemas.openxmlformats.org/drawingml/2006/main" xmlns:r="http://schemas.openxmlformats.org/officeDocument/2006/relationships" xmlns:p="http://schemas.openxmlformats.org/presentationml/2006/main">
-  <p:cSld>
-    <p:spTree>
-      <p:nvGrpSpPr>
-        <p:cNvPr id="1" name=""/>
-        <p:cNvGrpSpPr/>
-        <p:nvPr/>
-      </p:nvGrpSpPr>
-      <p:grpSpPr>
-        <a:xfrm>
-          <a:off x="0" y="0"/>
-          <a:ext cx="0" cy="0"/>
-          <a:chOff x="0" y="0"/>
-          <a:chExt cx="0" cy="0"/>
-        </a:xfrm>
-      </p:grpSpPr>
-      <p:sp>
-        <p:nvSpPr>
-          <p:cNvPr id="2" name="Título 1"/>
-          <p:cNvSpPr>
-            <a:spLocks noGrp="1"/>
-          </p:cNvSpPr>
-          <p:nvPr>
-            <p:ph type="title"/>
-          </p:nvPr>
-        </p:nvSpPr>
-        <p:spPr/>
-        <p:txBody>
-          <a:bodyPr/>
-          <a:lstStyle/>
-          <a:p>
-            <a:pPr algn="ctr"/>
-            <a:r>
-              <a:rPr lang="es-US" dirty="0" smtClean="0"/>
-              <a:t>Interfaces con otros sistemas</a:t>
-            </a:r>
-            <a:endParaRPr lang="es-US" dirty="0"/>
-          </a:p>
-        </p:txBody>
-      </p:sp>
-      <p:pic>
-        <p:nvPicPr>
-          <p:cNvPr id="14" name="Imagen 13"/>
-          <p:cNvPicPr>
-            <a:picLocks noChangeAspect="1"/>
-          </p:cNvPicPr>
-          <p:nvPr/>
-        </p:nvPicPr>
-        <p:blipFill>
-          <a:blip r:embed="rId2">
-            <a:extLst>
-              <a:ext uri="{28A0092B-C50C-407E-A947-70E740481C1C}">
-                <a14:useLocalDpi xmlns:a14="http://schemas.microsoft.com/office/drawing/2010/main" val="0"/>
-              </a:ext>
-            </a:extLst>
-          </a:blip>
-          <a:stretch>
-            <a:fillRect/>
-          </a:stretch>
-        </p:blipFill>
-        <p:spPr>
-          <a:xfrm>
-            <a:off x="10578662" y="614855"/>
-            <a:ext cx="1613338" cy="1371600"/>
-          </a:xfrm>
-          <a:prstGeom prst="rect">
-            <a:avLst/>
-          </a:prstGeom>
-        </p:spPr>
-      </p:pic>
-      <p:pic>
-        <p:nvPicPr>
-          <p:cNvPr id="15" name="Marcador de contenido 12"/>
-          <p:cNvPicPr>
-            <a:picLocks noChangeAspect="1"/>
-          </p:cNvPicPr>
-          <p:nvPr/>
-        </p:nvPicPr>
-        <p:blipFill>
-          <a:blip r:embed="rId3">
-            <a:extLst>
-              <a:ext uri="{28A0092B-C50C-407E-A947-70E740481C1C}">
-                <a14:useLocalDpi xmlns:a14="http://schemas.microsoft.com/office/drawing/2010/main" val="0"/>
-              </a:ext>
-            </a:extLst>
-          </a:blip>
-          <a:stretch>
-            <a:fillRect/>
-          </a:stretch>
-        </p:blipFill>
-        <p:spPr>
-          <a:xfrm>
-            <a:off x="0" y="614856"/>
-            <a:ext cx="1813034" cy="1371599"/>
-          </a:xfrm>
-          <a:prstGeom prst="rect">
-            <a:avLst/>
-          </a:prstGeom>
-        </p:spPr>
-      </p:pic>
-      <p:sp>
-        <p:nvSpPr>
-          <p:cNvPr id="16" name="Marcador de contenido 15"/>
-          <p:cNvSpPr>
-            <a:spLocks noGrp="1"/>
-          </p:cNvSpPr>
-          <p:nvPr>
-            <p:ph idx="1"/>
-          </p:nvPr>
-        </p:nvSpPr>
-        <p:spPr/>
-        <p:txBody>
-          <a:bodyPr/>
-          <a:lstStyle/>
-          <a:p>
-            <a:endParaRPr lang="es-US" dirty="0"/>
-          </a:p>
-        </p:txBody>
-      </p:sp>
-    </p:spTree>
-    <p:extLst>
-      <p:ext uri="{BB962C8B-B14F-4D97-AF65-F5344CB8AC3E}">
-        <p14:creationId xmlns:p14="http://schemas.microsoft.com/office/powerpoint/2010/main" val="2996595858"/>
       </p:ext>
     </p:extLst>
   </p:cSld>
